--- a/src/Fundamentos de HTML5, CSS e Javascript/TypeScript.pptx
+++ b/src/Fundamentos de HTML5, CSS e Javascript/TypeScript.pptx
@@ -19,10 +19,13 @@
     <p:sldId id="266" r:id="rId13"/>
     <p:sldId id="269" r:id="rId14"/>
     <p:sldId id="268" r:id="rId15"/>
-    <p:sldId id="273" r:id="rId16"/>
-    <p:sldId id="272" r:id="rId17"/>
-    <p:sldId id="271" r:id="rId18"/>
-    <p:sldId id="270" r:id="rId19"/>
+    <p:sldId id="274" r:id="rId16"/>
+    <p:sldId id="273" r:id="rId17"/>
+    <p:sldId id="272" r:id="rId18"/>
+    <p:sldId id="271" r:id="rId19"/>
+    <p:sldId id="275" r:id="rId20"/>
+    <p:sldId id="270" r:id="rId21"/>
+    <p:sldId id="276" r:id="rId22"/>
   </p:sldIdLst>
   <p:sldSz cx="12192000" cy="6858000"/>
   <p:notesSz cx="6858000" cy="9144000"/>
@@ -10746,7 +10749,7 @@
                 <a:effectLst/>
                 <a:latin typeface="Verdana" panose="020B0604030504040204" pitchFamily="34" charset="0"/>
               </a:rPr>
-              <a:t>TypeScript Special Types.</a:t>
+              <a:t>TypeScript Classes.</a:t>
             </a:r>
             <a:endParaRPr lang="en-US" sz="8000" kern="1200" dirty="0">
               <a:solidFill>
@@ -10759,6 +10762,66 @@
           </a:p>
         </p:txBody>
       </p:sp>
+      <p:pic>
+        <p:nvPicPr>
+          <p:cNvPr id="4" name="Imagem 3">
+            <a:extLst>
+              <a:ext uri="{FF2B5EF4-FFF2-40B4-BE49-F238E27FC236}">
+                <a16:creationId xmlns:a16="http://schemas.microsoft.com/office/drawing/2014/main" id="{8B9AF026-AD0A-8F3D-4592-6B2058CF9D34}"/>
+              </a:ext>
+            </a:extLst>
+          </p:cNvPr>
+          <p:cNvPicPr>
+            <a:picLocks noChangeAspect="1"/>
+          </p:cNvPicPr>
+          <p:nvPr/>
+        </p:nvPicPr>
+        <p:blipFill>
+          <a:blip r:embed="rId2"/>
+          <a:stretch>
+            <a:fillRect/>
+          </a:stretch>
+        </p:blipFill>
+        <p:spPr>
+          <a:xfrm>
+            <a:off x="528918" y="1666687"/>
+            <a:ext cx="4859545" cy="1955780"/>
+          </a:xfrm>
+          <a:prstGeom prst="rect">
+            <a:avLst/>
+          </a:prstGeom>
+        </p:spPr>
+      </p:pic>
+      <p:pic>
+        <p:nvPicPr>
+          <p:cNvPr id="6" name="Imagem 5">
+            <a:extLst>
+              <a:ext uri="{FF2B5EF4-FFF2-40B4-BE49-F238E27FC236}">
+                <a16:creationId xmlns:a16="http://schemas.microsoft.com/office/drawing/2014/main" id="{FA1D0B96-69E6-ED8C-DA20-32F5591ED0C1}"/>
+              </a:ext>
+            </a:extLst>
+          </p:cNvPr>
+          <p:cNvPicPr>
+            <a:picLocks noChangeAspect="1"/>
+          </p:cNvPicPr>
+          <p:nvPr/>
+        </p:nvPicPr>
+        <p:blipFill>
+          <a:blip r:embed="rId3"/>
+          <a:stretch>
+            <a:fillRect/>
+          </a:stretch>
+        </p:blipFill>
+        <p:spPr>
+          <a:xfrm>
+            <a:off x="2501164" y="2332592"/>
+            <a:ext cx="6901911" cy="4516530"/>
+          </a:xfrm>
+          <a:prstGeom prst="rect">
+            <a:avLst/>
+          </a:prstGeom>
+        </p:spPr>
+      </p:pic>
     </p:spTree>
     <p:extLst>
       <p:ext uri="{BB962C8B-B14F-4D97-AF65-F5344CB8AC3E}">
@@ -10773,6 +10836,1259 @@
 </file>
 
 <file path=ppt/slides/slide15.xml><?xml version="1.0" encoding="utf-8"?>
+<p:sld xmlns:a="http://schemas.openxmlformats.org/drawingml/2006/main" xmlns:r="http://schemas.openxmlformats.org/officeDocument/2006/relationships" xmlns:p="http://schemas.openxmlformats.org/presentationml/2006/main">
+  <p:cSld>
+    <p:bg>
+      <p:bgPr>
+        <a:solidFill>
+          <a:schemeClr val="bg1"/>
+        </a:solidFill>
+        <a:effectLst/>
+      </p:bgPr>
+    </p:bg>
+    <p:spTree>
+      <p:nvGrpSpPr>
+        <p:cNvPr id="1" name="">
+          <a:extLst>
+            <a:ext uri="{FF2B5EF4-FFF2-40B4-BE49-F238E27FC236}">
+              <a16:creationId xmlns:a16="http://schemas.microsoft.com/office/drawing/2014/main" id="{5B3769D9-094C-23A5-334E-D27D8D78066B}"/>
+            </a:ext>
+          </a:extLst>
+        </p:cNvPr>
+        <p:cNvGrpSpPr/>
+        <p:nvPr/>
+      </p:nvGrpSpPr>
+      <p:grpSpPr>
+        <a:xfrm>
+          <a:off x="0" y="0"/>
+          <a:ext cx="0" cy="0"/>
+          <a:chOff x="0" y="0"/>
+          <a:chExt cx="0" cy="0"/>
+        </a:xfrm>
+      </p:grpSpPr>
+      <p:sp>
+        <p:nvSpPr>
+          <p:cNvPr id="8" name="Rectangle 7">
+            <a:extLst>
+              <a:ext uri="{FF2B5EF4-FFF2-40B4-BE49-F238E27FC236}">
+                <a16:creationId xmlns:a16="http://schemas.microsoft.com/office/drawing/2014/main" id="{0CCEFD61-3E79-4080-2DA9-22D29A859888}"/>
+              </a:ext>
+              <a:ext uri="{C183D7F6-B498-43B3-948B-1728B52AA6E4}">
+                <adec:decorative xmlns:adec="http://schemas.microsoft.com/office/drawing/2017/decorative" val="1"/>
+              </a:ext>
+            </a:extLst>
+          </p:cNvPr>
+          <p:cNvSpPr>
+            <a:spLocks noGrp="1" noRot="1" noChangeAspect="1" noMove="1" noResize="1" noEditPoints="1" noAdjustHandles="1" noChangeArrowheads="1" noChangeShapeType="1" noTextEdit="1"/>
+          </p:cNvSpPr>
+          <p:nvPr>
+            <p:extLst>
+              <p:ext uri="{386F3935-93C4-4BCD-93E2-E3B085C9AB24}">
+                <p16:designElem xmlns:p16="http://schemas.microsoft.com/office/powerpoint/2015/main" val="1"/>
+              </p:ext>
+            </p:extLst>
+          </p:nvPr>
+        </p:nvSpPr>
+        <p:spPr>
+          <a:xfrm>
+            <a:off x="0" y="0"/>
+            <a:ext cx="12192000" cy="6858000"/>
+          </a:xfrm>
+          <a:prstGeom prst="rect">
+            <a:avLst/>
+          </a:prstGeom>
+          <a:gradFill flip="none" rotWithShape="1">
+            <a:gsLst>
+              <a:gs pos="0">
+                <a:schemeClr val="accent1"/>
+              </a:gs>
+              <a:gs pos="100000">
+                <a:schemeClr val="accent2"/>
+              </a:gs>
+            </a:gsLst>
+            <a:lin ang="8100000" scaled="0"/>
+            <a:tileRect/>
+          </a:gradFill>
+          <a:ln>
+            <a:noFill/>
+          </a:ln>
+        </p:spPr>
+        <p:style>
+          <a:lnRef idx="2">
+            <a:schemeClr val="accent1">
+              <a:shade val="50000"/>
+            </a:schemeClr>
+          </a:lnRef>
+          <a:fillRef idx="1">
+            <a:schemeClr val="accent1"/>
+          </a:fillRef>
+          <a:effectRef idx="0">
+            <a:schemeClr val="accent1"/>
+          </a:effectRef>
+          <a:fontRef idx="minor">
+            <a:schemeClr val="lt1"/>
+          </a:fontRef>
+        </p:style>
+        <p:txBody>
+          <a:bodyPr rtlCol="0" anchor="ctr"/>
+          <a:lstStyle/>
+          <a:p>
+            <a:pPr algn="ctr"/>
+            <a:endParaRPr lang="en-US">
+              <a:solidFill>
+                <a:srgbClr val="FFFFFF"/>
+              </a:solidFill>
+            </a:endParaRPr>
+          </a:p>
+        </p:txBody>
+      </p:sp>
+      <p:sp>
+        <p:nvSpPr>
+          <p:cNvPr id="10" name="Graphic 13">
+            <a:extLst>
+              <a:ext uri="{FF2B5EF4-FFF2-40B4-BE49-F238E27FC236}">
+                <a16:creationId xmlns:a16="http://schemas.microsoft.com/office/drawing/2014/main" id="{19B60E28-1283-9705-65E0-C6FB1180F40A}"/>
+              </a:ext>
+              <a:ext uri="{C183D7F6-B498-43B3-948B-1728B52AA6E4}">
+                <adec:decorative xmlns:adec="http://schemas.microsoft.com/office/drawing/2017/decorative" val="1"/>
+              </a:ext>
+            </a:extLst>
+          </p:cNvPr>
+          <p:cNvSpPr>
+            <a:spLocks noGrp="1" noRot="1" noChangeAspect="1" noMove="1" noResize="1" noEditPoints="1" noAdjustHandles="1" noChangeArrowheads="1" noChangeShapeType="1" noTextEdit="1"/>
+          </p:cNvSpPr>
+          <p:nvPr>
+            <p:extLst>
+              <p:ext uri="{386F3935-93C4-4BCD-93E2-E3B085C9AB24}">
+                <p16:designElem xmlns:p16="http://schemas.microsoft.com/office/powerpoint/2015/main" val="1"/>
+              </p:ext>
+            </p:extLst>
+          </p:nvPr>
+        </p:nvSpPr>
+        <p:spPr>
+          <a:xfrm>
+            <a:off x="3474359" y="583345"/>
+            <a:ext cx="139039" cy="139039"/>
+          </a:xfrm>
+          <a:custGeom>
+            <a:avLst/>
+            <a:gdLst>
+              <a:gd name="connsiteX0" fmla="*/ 129602 w 139039"/>
+              <a:gd name="connsiteY0" fmla="*/ 60082 h 139039"/>
+              <a:gd name="connsiteX1" fmla="*/ 78957 w 139039"/>
+              <a:gd name="connsiteY1" fmla="*/ 60082 h 139039"/>
+              <a:gd name="connsiteX2" fmla="*/ 78957 w 139039"/>
+              <a:gd name="connsiteY2" fmla="*/ 9437 h 139039"/>
+              <a:gd name="connsiteX3" fmla="*/ 69520 w 139039"/>
+              <a:gd name="connsiteY3" fmla="*/ 0 h 139039"/>
+              <a:gd name="connsiteX4" fmla="*/ 60082 w 139039"/>
+              <a:gd name="connsiteY4" fmla="*/ 9437 h 139039"/>
+              <a:gd name="connsiteX5" fmla="*/ 60082 w 139039"/>
+              <a:gd name="connsiteY5" fmla="*/ 60082 h 139039"/>
+              <a:gd name="connsiteX6" fmla="*/ 9437 w 139039"/>
+              <a:gd name="connsiteY6" fmla="*/ 60082 h 139039"/>
+              <a:gd name="connsiteX7" fmla="*/ 0 w 139039"/>
+              <a:gd name="connsiteY7" fmla="*/ 69520 h 139039"/>
+              <a:gd name="connsiteX8" fmla="*/ 9437 w 139039"/>
+              <a:gd name="connsiteY8" fmla="*/ 78957 h 139039"/>
+              <a:gd name="connsiteX9" fmla="*/ 60082 w 139039"/>
+              <a:gd name="connsiteY9" fmla="*/ 78957 h 139039"/>
+              <a:gd name="connsiteX10" fmla="*/ 60082 w 139039"/>
+              <a:gd name="connsiteY10" fmla="*/ 129602 h 139039"/>
+              <a:gd name="connsiteX11" fmla="*/ 69520 w 139039"/>
+              <a:gd name="connsiteY11" fmla="*/ 139039 h 139039"/>
+              <a:gd name="connsiteX12" fmla="*/ 78957 w 139039"/>
+              <a:gd name="connsiteY12" fmla="*/ 129602 h 139039"/>
+              <a:gd name="connsiteX13" fmla="*/ 78957 w 139039"/>
+              <a:gd name="connsiteY13" fmla="*/ 78957 h 139039"/>
+              <a:gd name="connsiteX14" fmla="*/ 129602 w 139039"/>
+              <a:gd name="connsiteY14" fmla="*/ 78957 h 139039"/>
+              <a:gd name="connsiteX15" fmla="*/ 139039 w 139039"/>
+              <a:gd name="connsiteY15" fmla="*/ 69520 h 139039"/>
+              <a:gd name="connsiteX16" fmla="*/ 129602 w 139039"/>
+              <a:gd name="connsiteY16" fmla="*/ 60082 h 139039"/>
+            </a:gdLst>
+            <a:ahLst/>
+            <a:cxnLst>
+              <a:cxn ang="0">
+                <a:pos x="connsiteX0" y="connsiteY0"/>
+              </a:cxn>
+              <a:cxn ang="0">
+                <a:pos x="connsiteX1" y="connsiteY1"/>
+              </a:cxn>
+              <a:cxn ang="0">
+                <a:pos x="connsiteX2" y="connsiteY2"/>
+              </a:cxn>
+              <a:cxn ang="0">
+                <a:pos x="connsiteX3" y="connsiteY3"/>
+              </a:cxn>
+              <a:cxn ang="0">
+                <a:pos x="connsiteX4" y="connsiteY4"/>
+              </a:cxn>
+              <a:cxn ang="0">
+                <a:pos x="connsiteX5" y="connsiteY5"/>
+              </a:cxn>
+              <a:cxn ang="0">
+                <a:pos x="connsiteX6" y="connsiteY6"/>
+              </a:cxn>
+              <a:cxn ang="0">
+                <a:pos x="connsiteX7" y="connsiteY7"/>
+              </a:cxn>
+              <a:cxn ang="0">
+                <a:pos x="connsiteX8" y="connsiteY8"/>
+              </a:cxn>
+              <a:cxn ang="0">
+                <a:pos x="connsiteX9" y="connsiteY9"/>
+              </a:cxn>
+              <a:cxn ang="0">
+                <a:pos x="connsiteX10" y="connsiteY10"/>
+              </a:cxn>
+              <a:cxn ang="0">
+                <a:pos x="connsiteX11" y="connsiteY11"/>
+              </a:cxn>
+              <a:cxn ang="0">
+                <a:pos x="connsiteX12" y="connsiteY12"/>
+              </a:cxn>
+              <a:cxn ang="0">
+                <a:pos x="connsiteX13" y="connsiteY13"/>
+              </a:cxn>
+              <a:cxn ang="0">
+                <a:pos x="connsiteX14" y="connsiteY14"/>
+              </a:cxn>
+              <a:cxn ang="0">
+                <a:pos x="connsiteX15" y="connsiteY15"/>
+              </a:cxn>
+              <a:cxn ang="0">
+                <a:pos x="connsiteX16" y="connsiteY16"/>
+              </a:cxn>
+            </a:cxnLst>
+            <a:rect l="l" t="t" r="r" b="b"/>
+            <a:pathLst>
+              <a:path w="139039" h="139039">
+                <a:moveTo>
+                  <a:pt x="129602" y="60082"/>
+                </a:moveTo>
+                <a:lnTo>
+                  <a:pt x="78957" y="60082"/>
+                </a:lnTo>
+                <a:lnTo>
+                  <a:pt x="78957" y="9437"/>
+                </a:lnTo>
+                <a:cubicBezTo>
+                  <a:pt x="78957" y="4225"/>
+                  <a:pt x="74731" y="0"/>
+                  <a:pt x="69520" y="0"/>
+                </a:cubicBezTo>
+                <a:cubicBezTo>
+                  <a:pt x="64308" y="0"/>
+                  <a:pt x="60082" y="4225"/>
+                  <a:pt x="60082" y="9437"/>
+                </a:cubicBezTo>
+                <a:lnTo>
+                  <a:pt x="60082" y="60082"/>
+                </a:lnTo>
+                <a:lnTo>
+                  <a:pt x="9437" y="60082"/>
+                </a:lnTo>
+                <a:cubicBezTo>
+                  <a:pt x="4225" y="60082"/>
+                  <a:pt x="0" y="64308"/>
+                  <a:pt x="0" y="69520"/>
+                </a:cubicBezTo>
+                <a:cubicBezTo>
+                  <a:pt x="0" y="74731"/>
+                  <a:pt x="4225" y="78957"/>
+                  <a:pt x="9437" y="78957"/>
+                </a:cubicBezTo>
+                <a:lnTo>
+                  <a:pt x="60082" y="78957"/>
+                </a:lnTo>
+                <a:lnTo>
+                  <a:pt x="60082" y="129602"/>
+                </a:lnTo>
+                <a:cubicBezTo>
+                  <a:pt x="60082" y="134814"/>
+                  <a:pt x="64308" y="139039"/>
+                  <a:pt x="69520" y="139039"/>
+                </a:cubicBezTo>
+                <a:cubicBezTo>
+                  <a:pt x="74731" y="139039"/>
+                  <a:pt x="78957" y="134814"/>
+                  <a:pt x="78957" y="129602"/>
+                </a:cubicBezTo>
+                <a:lnTo>
+                  <a:pt x="78957" y="78957"/>
+                </a:lnTo>
+                <a:lnTo>
+                  <a:pt x="129602" y="78957"/>
+                </a:lnTo>
+                <a:cubicBezTo>
+                  <a:pt x="134814" y="78957"/>
+                  <a:pt x="139039" y="74731"/>
+                  <a:pt x="139039" y="69520"/>
+                </a:cubicBezTo>
+                <a:cubicBezTo>
+                  <a:pt x="139039" y="64308"/>
+                  <a:pt x="134814" y="60082"/>
+                  <a:pt x="129602" y="60082"/>
+                </a:cubicBezTo>
+                <a:close/>
+              </a:path>
+            </a:pathLst>
+          </a:custGeom>
+          <a:solidFill>
+            <a:srgbClr val="FFFFFF"/>
+          </a:solidFill>
+          <a:ln w="603" cap="flat">
+            <a:noFill/>
+            <a:prstDash val="solid"/>
+            <a:miter/>
+          </a:ln>
+        </p:spPr>
+        <p:txBody>
+          <a:bodyPr rtlCol="0" anchor="ctr"/>
+          <a:lstStyle/>
+          <a:p>
+            <a:endParaRPr lang="en-US">
+              <a:solidFill>
+                <a:srgbClr val="FFFFFF"/>
+              </a:solidFill>
+            </a:endParaRPr>
+          </a:p>
+        </p:txBody>
+      </p:sp>
+      <p:sp>
+        <p:nvSpPr>
+          <p:cNvPr id="12" name="Graphic 12">
+            <a:extLst>
+              <a:ext uri="{FF2B5EF4-FFF2-40B4-BE49-F238E27FC236}">
+                <a16:creationId xmlns:a16="http://schemas.microsoft.com/office/drawing/2014/main" id="{1466968E-45F3-98A1-61B0-BD9A424FF34E}"/>
+              </a:ext>
+              <a:ext uri="{C183D7F6-B498-43B3-948B-1728B52AA6E4}">
+                <adec:decorative xmlns:adec="http://schemas.microsoft.com/office/drawing/2017/decorative" val="1"/>
+              </a:ext>
+            </a:extLst>
+          </p:cNvPr>
+          <p:cNvSpPr>
+            <a:spLocks noGrp="1" noRot="1" noChangeAspect="1" noMove="1" noResize="1" noEditPoints="1" noAdjustHandles="1" noChangeArrowheads="1" noChangeShapeType="1" noTextEdit="1"/>
+          </p:cNvSpPr>
+          <p:nvPr>
+            <p:extLst>
+              <p:ext uri="{386F3935-93C4-4BCD-93E2-E3B085C9AB24}">
+                <p16:designElem xmlns:p16="http://schemas.microsoft.com/office/powerpoint/2015/main" val="1"/>
+              </p:ext>
+            </p:extLst>
+          </p:nvPr>
+        </p:nvSpPr>
+        <p:spPr>
+          <a:xfrm>
+            <a:off x="3833139" y="812640"/>
+            <a:ext cx="91138" cy="91138"/>
+          </a:xfrm>
+          <a:custGeom>
+            <a:avLst/>
+            <a:gdLst>
+              <a:gd name="connsiteX0" fmla="*/ 91138 w 91138"/>
+              <a:gd name="connsiteY0" fmla="*/ 45569 h 91138"/>
+              <a:gd name="connsiteX1" fmla="*/ 45569 w 91138"/>
+              <a:gd name="connsiteY1" fmla="*/ 91138 h 91138"/>
+              <a:gd name="connsiteX2" fmla="*/ 0 w 91138"/>
+              <a:gd name="connsiteY2" fmla="*/ 45569 h 91138"/>
+              <a:gd name="connsiteX3" fmla="*/ 45569 w 91138"/>
+              <a:gd name="connsiteY3" fmla="*/ 0 h 91138"/>
+              <a:gd name="connsiteX4" fmla="*/ 91138 w 91138"/>
+              <a:gd name="connsiteY4" fmla="*/ 45569 h 91138"/>
+            </a:gdLst>
+            <a:ahLst/>
+            <a:cxnLst>
+              <a:cxn ang="0">
+                <a:pos x="connsiteX0" y="connsiteY0"/>
+              </a:cxn>
+              <a:cxn ang="0">
+                <a:pos x="connsiteX1" y="connsiteY1"/>
+              </a:cxn>
+              <a:cxn ang="0">
+                <a:pos x="connsiteX2" y="connsiteY2"/>
+              </a:cxn>
+              <a:cxn ang="0">
+                <a:pos x="connsiteX3" y="connsiteY3"/>
+              </a:cxn>
+              <a:cxn ang="0">
+                <a:pos x="connsiteX4" y="connsiteY4"/>
+              </a:cxn>
+            </a:cxnLst>
+            <a:rect l="l" t="t" r="r" b="b"/>
+            <a:pathLst>
+              <a:path w="91138" h="91138">
+                <a:moveTo>
+                  <a:pt x="91138" y="45569"/>
+                </a:moveTo>
+                <a:cubicBezTo>
+                  <a:pt x="91138" y="70736"/>
+                  <a:pt x="70736" y="91138"/>
+                  <a:pt x="45569" y="91138"/>
+                </a:cubicBezTo>
+                <a:cubicBezTo>
+                  <a:pt x="20402" y="91138"/>
+                  <a:pt x="0" y="70736"/>
+                  <a:pt x="0" y="45569"/>
+                </a:cubicBezTo>
+                <a:cubicBezTo>
+                  <a:pt x="0" y="20402"/>
+                  <a:pt x="20402" y="0"/>
+                  <a:pt x="45569" y="0"/>
+                </a:cubicBezTo>
+                <a:cubicBezTo>
+                  <a:pt x="70736" y="0"/>
+                  <a:pt x="91138" y="20402"/>
+                  <a:pt x="91138" y="45569"/>
+                </a:cubicBezTo>
+                <a:close/>
+              </a:path>
+            </a:pathLst>
+          </a:custGeom>
+          <a:solidFill>
+            <a:srgbClr val="FFFFFF"/>
+          </a:solidFill>
+          <a:ln w="422" cap="flat">
+            <a:noFill/>
+            <a:prstDash val="solid"/>
+            <a:miter/>
+          </a:ln>
+        </p:spPr>
+        <p:txBody>
+          <a:bodyPr rtlCol="0" anchor="ctr"/>
+          <a:lstStyle/>
+          <a:p>
+            <a:endParaRPr lang="en-US">
+              <a:solidFill>
+                <a:srgbClr val="FFFFFF"/>
+              </a:solidFill>
+            </a:endParaRPr>
+          </a:p>
+        </p:txBody>
+      </p:sp>
+      <p:sp>
+        <p:nvSpPr>
+          <p:cNvPr id="14" name="Graphic 15">
+            <a:extLst>
+              <a:ext uri="{FF2B5EF4-FFF2-40B4-BE49-F238E27FC236}">
+                <a16:creationId xmlns:a16="http://schemas.microsoft.com/office/drawing/2014/main" id="{191942E3-2ADC-BACC-F42F-EE2AD908BB06}"/>
+              </a:ext>
+              <a:ext uri="{C183D7F6-B498-43B3-948B-1728B52AA6E4}">
+                <adec:decorative xmlns:adec="http://schemas.microsoft.com/office/drawing/2017/decorative" val="1"/>
+              </a:ext>
+            </a:extLst>
+          </p:cNvPr>
+          <p:cNvSpPr>
+            <a:spLocks noGrp="1" noRot="1" noChangeAspect="1" noMove="1" noResize="1" noEditPoints="1" noAdjustHandles="1" noChangeArrowheads="1" noChangeShapeType="1" noTextEdit="1"/>
+          </p:cNvSpPr>
+          <p:nvPr>
+            <p:extLst>
+              <p:ext uri="{386F3935-93C4-4BCD-93E2-E3B085C9AB24}">
+                <p16:designElem xmlns:p16="http://schemas.microsoft.com/office/powerpoint/2015/main" val="1"/>
+              </p:ext>
+            </p:extLst>
+          </p:nvPr>
+        </p:nvSpPr>
+        <p:spPr>
+          <a:xfrm>
+            <a:off x="3458819" y="1037066"/>
+            <a:ext cx="127714" cy="127714"/>
+          </a:xfrm>
+          <a:custGeom>
+            <a:avLst/>
+            <a:gdLst>
+              <a:gd name="connsiteX0" fmla="*/ 63857 w 127714"/>
+              <a:gd name="connsiteY0" fmla="*/ 18874 h 127714"/>
+              <a:gd name="connsiteX1" fmla="*/ 108840 w 127714"/>
+              <a:gd name="connsiteY1" fmla="*/ 63857 h 127714"/>
+              <a:gd name="connsiteX2" fmla="*/ 63857 w 127714"/>
+              <a:gd name="connsiteY2" fmla="*/ 108840 h 127714"/>
+              <a:gd name="connsiteX3" fmla="*/ 18874 w 127714"/>
+              <a:gd name="connsiteY3" fmla="*/ 63857 h 127714"/>
+              <a:gd name="connsiteX4" fmla="*/ 63857 w 127714"/>
+              <a:gd name="connsiteY4" fmla="*/ 18874 h 127714"/>
+              <a:gd name="connsiteX5" fmla="*/ 63857 w 127714"/>
+              <a:gd name="connsiteY5" fmla="*/ 0 h 127714"/>
+              <a:gd name="connsiteX6" fmla="*/ 0 w 127714"/>
+              <a:gd name="connsiteY6" fmla="*/ 63857 h 127714"/>
+              <a:gd name="connsiteX7" fmla="*/ 63857 w 127714"/>
+              <a:gd name="connsiteY7" fmla="*/ 127714 h 127714"/>
+              <a:gd name="connsiteX8" fmla="*/ 127714 w 127714"/>
+              <a:gd name="connsiteY8" fmla="*/ 63857 h 127714"/>
+              <a:gd name="connsiteX9" fmla="*/ 63857 w 127714"/>
+              <a:gd name="connsiteY9" fmla="*/ 0 h 127714"/>
+            </a:gdLst>
+            <a:ahLst/>
+            <a:cxnLst>
+              <a:cxn ang="0">
+                <a:pos x="connsiteX0" y="connsiteY0"/>
+              </a:cxn>
+              <a:cxn ang="0">
+                <a:pos x="connsiteX1" y="connsiteY1"/>
+              </a:cxn>
+              <a:cxn ang="0">
+                <a:pos x="connsiteX2" y="connsiteY2"/>
+              </a:cxn>
+              <a:cxn ang="0">
+                <a:pos x="connsiteX3" y="connsiteY3"/>
+              </a:cxn>
+              <a:cxn ang="0">
+                <a:pos x="connsiteX4" y="connsiteY4"/>
+              </a:cxn>
+              <a:cxn ang="0">
+                <a:pos x="connsiteX5" y="connsiteY5"/>
+              </a:cxn>
+              <a:cxn ang="0">
+                <a:pos x="connsiteX6" y="connsiteY6"/>
+              </a:cxn>
+              <a:cxn ang="0">
+                <a:pos x="connsiteX7" y="connsiteY7"/>
+              </a:cxn>
+              <a:cxn ang="0">
+                <a:pos x="connsiteX8" y="connsiteY8"/>
+              </a:cxn>
+              <a:cxn ang="0">
+                <a:pos x="connsiteX9" y="connsiteY9"/>
+              </a:cxn>
+            </a:cxnLst>
+            <a:rect l="l" t="t" r="r" b="b"/>
+            <a:pathLst>
+              <a:path w="127714" h="127714">
+                <a:moveTo>
+                  <a:pt x="63857" y="18874"/>
+                </a:moveTo>
+                <a:cubicBezTo>
+                  <a:pt x="88700" y="18874"/>
+                  <a:pt x="108840" y="39014"/>
+                  <a:pt x="108840" y="63857"/>
+                </a:cubicBezTo>
+                <a:cubicBezTo>
+                  <a:pt x="108840" y="88700"/>
+                  <a:pt x="88700" y="108840"/>
+                  <a:pt x="63857" y="108840"/>
+                </a:cubicBezTo>
+                <a:cubicBezTo>
+                  <a:pt x="39014" y="108840"/>
+                  <a:pt x="18874" y="88700"/>
+                  <a:pt x="18874" y="63857"/>
+                </a:cubicBezTo>
+                <a:cubicBezTo>
+                  <a:pt x="18898" y="39024"/>
+                  <a:pt x="39024" y="18898"/>
+                  <a:pt x="63857" y="18874"/>
+                </a:cubicBezTo>
+                <a:moveTo>
+                  <a:pt x="63857" y="0"/>
+                </a:moveTo>
+                <a:cubicBezTo>
+                  <a:pt x="28590" y="0"/>
+                  <a:pt x="0" y="28590"/>
+                  <a:pt x="0" y="63857"/>
+                </a:cubicBezTo>
+                <a:cubicBezTo>
+                  <a:pt x="0" y="99124"/>
+                  <a:pt x="28590" y="127714"/>
+                  <a:pt x="63857" y="127714"/>
+                </a:cubicBezTo>
+                <a:cubicBezTo>
+                  <a:pt x="99124" y="127714"/>
+                  <a:pt x="127714" y="99124"/>
+                  <a:pt x="127714" y="63857"/>
+                </a:cubicBezTo>
+                <a:cubicBezTo>
+                  <a:pt x="127714" y="28590"/>
+                  <a:pt x="99124" y="0"/>
+                  <a:pt x="63857" y="0"/>
+                </a:cubicBezTo>
+                <a:close/>
+              </a:path>
+            </a:pathLst>
+          </a:custGeom>
+          <a:solidFill>
+            <a:srgbClr val="FFFFFF"/>
+          </a:solidFill>
+          <a:ln w="610" cap="flat">
+            <a:noFill/>
+            <a:prstDash val="solid"/>
+            <a:miter/>
+          </a:ln>
+        </p:spPr>
+        <p:txBody>
+          <a:bodyPr rtlCol="0" anchor="ctr"/>
+          <a:lstStyle/>
+          <a:p>
+            <a:endParaRPr lang="en-US">
+              <a:solidFill>
+                <a:srgbClr val="FFFFFF"/>
+              </a:solidFill>
+            </a:endParaRPr>
+          </a:p>
+        </p:txBody>
+      </p:sp>
+      <p:cxnSp>
+        <p:nvCxnSpPr>
+          <p:cNvPr id="16" name="Straight Connector 15">
+            <a:extLst>
+              <a:ext uri="{FF2B5EF4-FFF2-40B4-BE49-F238E27FC236}">
+                <a16:creationId xmlns:a16="http://schemas.microsoft.com/office/drawing/2014/main" id="{F4418FF5-6FB4-127D-932D-61CCF5967DA3}"/>
+              </a:ext>
+              <a:ext uri="{C183D7F6-B498-43B3-948B-1728B52AA6E4}">
+                <adec:decorative xmlns:adec="http://schemas.microsoft.com/office/drawing/2017/decorative" val="1"/>
+              </a:ext>
+            </a:extLst>
+          </p:cNvPr>
+          <p:cNvCxnSpPr>
+            <a:cxnSpLocks noGrp="1" noRot="1" noChangeAspect="1" noMove="1" noResize="1" noEditPoints="1" noAdjustHandles="1" noChangeArrowheads="1" noChangeShapeType="1"/>
+          </p:cNvCxnSpPr>
+          <p:nvPr>
+            <p:extLst>
+              <p:ext uri="{386F3935-93C4-4BCD-93E2-E3B085C9AB24}">
+                <p16:designElem xmlns:p16="http://schemas.microsoft.com/office/powerpoint/2015/main" val="1"/>
+              </p:ext>
+            </p:extLst>
+          </p:nvPr>
+        </p:nvCxnSpPr>
+        <p:spPr>
+          <a:xfrm>
+            <a:off x="856114" y="3503032"/>
+            <a:ext cx="0" cy="3346090"/>
+          </a:xfrm>
+          <a:prstGeom prst="line">
+            <a:avLst/>
+          </a:prstGeom>
+          <a:ln w="25400" cap="sq">
+            <a:solidFill>
+              <a:srgbClr val="FFFFFF"/>
+            </a:solidFill>
+            <a:bevel/>
+          </a:ln>
+        </p:spPr>
+        <p:style>
+          <a:lnRef idx="1">
+            <a:schemeClr val="accent1"/>
+          </a:lnRef>
+          <a:fillRef idx="0">
+            <a:schemeClr val="accent1"/>
+          </a:fillRef>
+          <a:effectRef idx="0">
+            <a:schemeClr val="accent1"/>
+          </a:effectRef>
+          <a:fontRef idx="minor">
+            <a:schemeClr val="tx1"/>
+          </a:fontRef>
+        </p:style>
+      </p:cxnSp>
+      <p:sp>
+        <p:nvSpPr>
+          <p:cNvPr id="18" name="Graphic 22">
+            <a:extLst>
+              <a:ext uri="{FF2B5EF4-FFF2-40B4-BE49-F238E27FC236}">
+                <a16:creationId xmlns:a16="http://schemas.microsoft.com/office/drawing/2014/main" id="{9C10EB88-77CE-AE52-B575-C99661092859}"/>
+              </a:ext>
+              <a:ext uri="{C183D7F6-B498-43B3-948B-1728B52AA6E4}">
+                <adec:decorative xmlns:adec="http://schemas.microsoft.com/office/drawing/2017/decorative" val="1"/>
+              </a:ext>
+            </a:extLst>
+          </p:cNvPr>
+          <p:cNvSpPr>
+            <a:spLocks noGrp="1" noRot="1" noChangeAspect="1" noMove="1" noResize="1" noEditPoints="1" noAdjustHandles="1" noChangeArrowheads="1" noChangeShapeType="1" noTextEdit="1"/>
+          </p:cNvSpPr>
+          <p:nvPr>
+            <p:extLst>
+              <p:ext uri="{386F3935-93C4-4BCD-93E2-E3B085C9AB24}">
+                <p16:designElem xmlns:p16="http://schemas.microsoft.com/office/powerpoint/2015/main" val="1"/>
+              </p:ext>
+            </p:extLst>
+          </p:nvPr>
+        </p:nvSpPr>
+        <p:spPr>
+          <a:xfrm>
+            <a:off x="10836425" y="5636680"/>
+            <a:ext cx="151536" cy="151536"/>
+          </a:xfrm>
+          <a:custGeom>
+            <a:avLst/>
+            <a:gdLst>
+              <a:gd name="connsiteX0" fmla="*/ 141251 w 151536"/>
+              <a:gd name="connsiteY0" fmla="*/ 65483 h 151536"/>
+              <a:gd name="connsiteX1" fmla="*/ 86053 w 151536"/>
+              <a:gd name="connsiteY1" fmla="*/ 65483 h 151536"/>
+              <a:gd name="connsiteX2" fmla="*/ 86053 w 151536"/>
+              <a:gd name="connsiteY2" fmla="*/ 10285 h 151536"/>
+              <a:gd name="connsiteX3" fmla="*/ 75768 w 151536"/>
+              <a:gd name="connsiteY3" fmla="*/ 0 h 151536"/>
+              <a:gd name="connsiteX4" fmla="*/ 65483 w 151536"/>
+              <a:gd name="connsiteY4" fmla="*/ 10285 h 151536"/>
+              <a:gd name="connsiteX5" fmla="*/ 65483 w 151536"/>
+              <a:gd name="connsiteY5" fmla="*/ 65483 h 151536"/>
+              <a:gd name="connsiteX6" fmla="*/ 10285 w 151536"/>
+              <a:gd name="connsiteY6" fmla="*/ 65483 h 151536"/>
+              <a:gd name="connsiteX7" fmla="*/ 0 w 151536"/>
+              <a:gd name="connsiteY7" fmla="*/ 75768 h 151536"/>
+              <a:gd name="connsiteX8" fmla="*/ 10285 w 151536"/>
+              <a:gd name="connsiteY8" fmla="*/ 86053 h 151536"/>
+              <a:gd name="connsiteX9" fmla="*/ 65483 w 151536"/>
+              <a:gd name="connsiteY9" fmla="*/ 86053 h 151536"/>
+              <a:gd name="connsiteX10" fmla="*/ 65483 w 151536"/>
+              <a:gd name="connsiteY10" fmla="*/ 141251 h 151536"/>
+              <a:gd name="connsiteX11" fmla="*/ 75768 w 151536"/>
+              <a:gd name="connsiteY11" fmla="*/ 151536 h 151536"/>
+              <a:gd name="connsiteX12" fmla="*/ 86053 w 151536"/>
+              <a:gd name="connsiteY12" fmla="*/ 141251 h 151536"/>
+              <a:gd name="connsiteX13" fmla="*/ 86053 w 151536"/>
+              <a:gd name="connsiteY13" fmla="*/ 86053 h 151536"/>
+              <a:gd name="connsiteX14" fmla="*/ 141251 w 151536"/>
+              <a:gd name="connsiteY14" fmla="*/ 86053 h 151536"/>
+              <a:gd name="connsiteX15" fmla="*/ 151536 w 151536"/>
+              <a:gd name="connsiteY15" fmla="*/ 75768 h 151536"/>
+              <a:gd name="connsiteX16" fmla="*/ 141251 w 151536"/>
+              <a:gd name="connsiteY16" fmla="*/ 65483 h 151536"/>
+            </a:gdLst>
+            <a:ahLst/>
+            <a:cxnLst>
+              <a:cxn ang="0">
+                <a:pos x="connsiteX0" y="connsiteY0"/>
+              </a:cxn>
+              <a:cxn ang="0">
+                <a:pos x="connsiteX1" y="connsiteY1"/>
+              </a:cxn>
+              <a:cxn ang="0">
+                <a:pos x="connsiteX2" y="connsiteY2"/>
+              </a:cxn>
+              <a:cxn ang="0">
+                <a:pos x="connsiteX3" y="connsiteY3"/>
+              </a:cxn>
+              <a:cxn ang="0">
+                <a:pos x="connsiteX4" y="connsiteY4"/>
+              </a:cxn>
+              <a:cxn ang="0">
+                <a:pos x="connsiteX5" y="connsiteY5"/>
+              </a:cxn>
+              <a:cxn ang="0">
+                <a:pos x="connsiteX6" y="connsiteY6"/>
+              </a:cxn>
+              <a:cxn ang="0">
+                <a:pos x="connsiteX7" y="connsiteY7"/>
+              </a:cxn>
+              <a:cxn ang="0">
+                <a:pos x="connsiteX8" y="connsiteY8"/>
+              </a:cxn>
+              <a:cxn ang="0">
+                <a:pos x="connsiteX9" y="connsiteY9"/>
+              </a:cxn>
+              <a:cxn ang="0">
+                <a:pos x="connsiteX10" y="connsiteY10"/>
+              </a:cxn>
+              <a:cxn ang="0">
+                <a:pos x="connsiteX11" y="connsiteY11"/>
+              </a:cxn>
+              <a:cxn ang="0">
+                <a:pos x="connsiteX12" y="connsiteY12"/>
+              </a:cxn>
+              <a:cxn ang="0">
+                <a:pos x="connsiteX13" y="connsiteY13"/>
+              </a:cxn>
+              <a:cxn ang="0">
+                <a:pos x="connsiteX14" y="connsiteY14"/>
+              </a:cxn>
+              <a:cxn ang="0">
+                <a:pos x="connsiteX15" y="connsiteY15"/>
+              </a:cxn>
+              <a:cxn ang="0">
+                <a:pos x="connsiteX16" y="connsiteY16"/>
+              </a:cxn>
+            </a:cxnLst>
+            <a:rect l="l" t="t" r="r" b="b"/>
+            <a:pathLst>
+              <a:path w="151536" h="151536">
+                <a:moveTo>
+                  <a:pt x="141251" y="65483"/>
+                </a:moveTo>
+                <a:lnTo>
+                  <a:pt x="86053" y="65483"/>
+                </a:lnTo>
+                <a:lnTo>
+                  <a:pt x="86053" y="10285"/>
+                </a:lnTo>
+                <a:cubicBezTo>
+                  <a:pt x="86053" y="4605"/>
+                  <a:pt x="81448" y="0"/>
+                  <a:pt x="75768" y="0"/>
+                </a:cubicBezTo>
+                <a:cubicBezTo>
+                  <a:pt x="70088" y="0"/>
+                  <a:pt x="65483" y="4605"/>
+                  <a:pt x="65483" y="10285"/>
+                </a:cubicBezTo>
+                <a:lnTo>
+                  <a:pt x="65483" y="65483"/>
+                </a:lnTo>
+                <a:lnTo>
+                  <a:pt x="10285" y="65483"/>
+                </a:lnTo>
+                <a:cubicBezTo>
+                  <a:pt x="4605" y="65483"/>
+                  <a:pt x="0" y="70088"/>
+                  <a:pt x="0" y="75768"/>
+                </a:cubicBezTo>
+                <a:cubicBezTo>
+                  <a:pt x="0" y="81448"/>
+                  <a:pt x="4605" y="86053"/>
+                  <a:pt x="10285" y="86053"/>
+                </a:cubicBezTo>
+                <a:lnTo>
+                  <a:pt x="65483" y="86053"/>
+                </a:lnTo>
+                <a:lnTo>
+                  <a:pt x="65483" y="141251"/>
+                </a:lnTo>
+                <a:cubicBezTo>
+                  <a:pt x="65483" y="146931"/>
+                  <a:pt x="70088" y="151536"/>
+                  <a:pt x="75768" y="151536"/>
+                </a:cubicBezTo>
+                <a:cubicBezTo>
+                  <a:pt x="81448" y="151536"/>
+                  <a:pt x="86053" y="146931"/>
+                  <a:pt x="86053" y="141251"/>
+                </a:cubicBezTo>
+                <a:lnTo>
+                  <a:pt x="86053" y="86053"/>
+                </a:lnTo>
+                <a:lnTo>
+                  <a:pt x="141251" y="86053"/>
+                </a:lnTo>
+                <a:cubicBezTo>
+                  <a:pt x="146931" y="86053"/>
+                  <a:pt x="151536" y="81448"/>
+                  <a:pt x="151536" y="75768"/>
+                </a:cubicBezTo>
+                <a:cubicBezTo>
+                  <a:pt x="151536" y="70088"/>
+                  <a:pt x="146931" y="65483"/>
+                  <a:pt x="141251" y="65483"/>
+                </a:cubicBezTo>
+                <a:close/>
+              </a:path>
+            </a:pathLst>
+          </a:custGeom>
+          <a:solidFill>
+            <a:srgbClr val="FFFFFF"/>
+          </a:solidFill>
+          <a:ln w="646" cap="flat">
+            <a:noFill/>
+            <a:prstDash val="solid"/>
+            <a:miter/>
+          </a:ln>
+        </p:spPr>
+        <p:txBody>
+          <a:bodyPr rtlCol="0" anchor="ctr"/>
+          <a:lstStyle/>
+          <a:p>
+            <a:endParaRPr lang="en-US">
+              <a:solidFill>
+                <a:srgbClr val="FFFFFF"/>
+              </a:solidFill>
+            </a:endParaRPr>
+          </a:p>
+        </p:txBody>
+      </p:sp>
+      <p:sp>
+        <p:nvSpPr>
+          <p:cNvPr id="20" name="Graphic 23">
+            <a:extLst>
+              <a:ext uri="{FF2B5EF4-FFF2-40B4-BE49-F238E27FC236}">
+                <a16:creationId xmlns:a16="http://schemas.microsoft.com/office/drawing/2014/main" id="{596A94E6-F221-4F97-3E91-32FEEDBB40C4}"/>
+              </a:ext>
+              <a:ext uri="{C183D7F6-B498-43B3-948B-1728B52AA6E4}">
+                <adec:decorative xmlns:adec="http://schemas.microsoft.com/office/drawing/2017/decorative" val="1"/>
+              </a:ext>
+            </a:extLst>
+          </p:cNvPr>
+          <p:cNvSpPr>
+            <a:spLocks noGrp="1" noRot="1" noChangeAspect="1" noMove="1" noResize="1" noEditPoints="1" noAdjustHandles="1" noChangeArrowheads="1" noChangeShapeType="1" noTextEdit="1"/>
+          </p:cNvSpPr>
+          <p:nvPr>
+            <p:extLst>
+              <p:ext uri="{386F3935-93C4-4BCD-93E2-E3B085C9AB24}">
+                <p16:designElem xmlns:p16="http://schemas.microsoft.com/office/powerpoint/2015/main" val="1"/>
+              </p:ext>
+            </p:extLst>
+          </p:nvPr>
+        </p:nvSpPr>
+        <p:spPr>
+          <a:xfrm>
+            <a:off x="11245175" y="6096759"/>
+            <a:ext cx="108625" cy="108625"/>
+          </a:xfrm>
+          <a:custGeom>
+            <a:avLst/>
+            <a:gdLst>
+              <a:gd name="connsiteX0" fmla="*/ 54313 w 108625"/>
+              <a:gd name="connsiteY0" fmla="*/ 16053 h 108625"/>
+              <a:gd name="connsiteX1" fmla="*/ 92572 w 108625"/>
+              <a:gd name="connsiteY1" fmla="*/ 54313 h 108625"/>
+              <a:gd name="connsiteX2" fmla="*/ 54313 w 108625"/>
+              <a:gd name="connsiteY2" fmla="*/ 92572 h 108625"/>
+              <a:gd name="connsiteX3" fmla="*/ 16053 w 108625"/>
+              <a:gd name="connsiteY3" fmla="*/ 54313 h 108625"/>
+              <a:gd name="connsiteX4" fmla="*/ 54313 w 108625"/>
+              <a:gd name="connsiteY4" fmla="*/ 16053 h 108625"/>
+              <a:gd name="connsiteX5" fmla="*/ 54313 w 108625"/>
+              <a:gd name="connsiteY5" fmla="*/ 0 h 108625"/>
+              <a:gd name="connsiteX6" fmla="*/ 0 w 108625"/>
+              <a:gd name="connsiteY6" fmla="*/ 54313 h 108625"/>
+              <a:gd name="connsiteX7" fmla="*/ 54313 w 108625"/>
+              <a:gd name="connsiteY7" fmla="*/ 108625 h 108625"/>
+              <a:gd name="connsiteX8" fmla="*/ 108625 w 108625"/>
+              <a:gd name="connsiteY8" fmla="*/ 54313 h 108625"/>
+              <a:gd name="connsiteX9" fmla="*/ 54313 w 108625"/>
+              <a:gd name="connsiteY9" fmla="*/ 0 h 108625"/>
+            </a:gdLst>
+            <a:ahLst/>
+            <a:cxnLst>
+              <a:cxn ang="0">
+                <a:pos x="connsiteX0" y="connsiteY0"/>
+              </a:cxn>
+              <a:cxn ang="0">
+                <a:pos x="connsiteX1" y="connsiteY1"/>
+              </a:cxn>
+              <a:cxn ang="0">
+                <a:pos x="connsiteX2" y="connsiteY2"/>
+              </a:cxn>
+              <a:cxn ang="0">
+                <a:pos x="connsiteX3" y="connsiteY3"/>
+              </a:cxn>
+              <a:cxn ang="0">
+                <a:pos x="connsiteX4" y="connsiteY4"/>
+              </a:cxn>
+              <a:cxn ang="0">
+                <a:pos x="connsiteX5" y="connsiteY5"/>
+              </a:cxn>
+              <a:cxn ang="0">
+                <a:pos x="connsiteX6" y="connsiteY6"/>
+              </a:cxn>
+              <a:cxn ang="0">
+                <a:pos x="connsiteX7" y="connsiteY7"/>
+              </a:cxn>
+              <a:cxn ang="0">
+                <a:pos x="connsiteX8" y="connsiteY8"/>
+              </a:cxn>
+              <a:cxn ang="0">
+                <a:pos x="connsiteX9" y="connsiteY9"/>
+              </a:cxn>
+            </a:cxnLst>
+            <a:rect l="l" t="t" r="r" b="b"/>
+            <a:pathLst>
+              <a:path w="108625" h="108625">
+                <a:moveTo>
+                  <a:pt x="54313" y="16053"/>
+                </a:moveTo>
+                <a:cubicBezTo>
+                  <a:pt x="75442" y="16053"/>
+                  <a:pt x="92572" y="33182"/>
+                  <a:pt x="92572" y="54313"/>
+                </a:cubicBezTo>
+                <a:cubicBezTo>
+                  <a:pt x="92572" y="75442"/>
+                  <a:pt x="75442" y="92572"/>
+                  <a:pt x="54313" y="92572"/>
+                </a:cubicBezTo>
+                <a:cubicBezTo>
+                  <a:pt x="33182" y="92572"/>
+                  <a:pt x="16053" y="75442"/>
+                  <a:pt x="16053" y="54313"/>
+                </a:cubicBezTo>
+                <a:cubicBezTo>
+                  <a:pt x="16074" y="33191"/>
+                  <a:pt x="33191" y="16074"/>
+                  <a:pt x="54313" y="16053"/>
+                </a:cubicBezTo>
+                <a:moveTo>
+                  <a:pt x="54313" y="0"/>
+                </a:moveTo>
+                <a:cubicBezTo>
+                  <a:pt x="24317" y="0"/>
+                  <a:pt x="0" y="24317"/>
+                  <a:pt x="0" y="54313"/>
+                </a:cubicBezTo>
+                <a:cubicBezTo>
+                  <a:pt x="0" y="84309"/>
+                  <a:pt x="24317" y="108625"/>
+                  <a:pt x="54313" y="108625"/>
+                </a:cubicBezTo>
+                <a:cubicBezTo>
+                  <a:pt x="84309" y="108625"/>
+                  <a:pt x="108625" y="84309"/>
+                  <a:pt x="108625" y="54313"/>
+                </a:cubicBezTo>
+                <a:cubicBezTo>
+                  <a:pt x="108625" y="24317"/>
+                  <a:pt x="84309" y="0"/>
+                  <a:pt x="54313" y="0"/>
+                </a:cubicBezTo>
+                <a:close/>
+              </a:path>
+            </a:pathLst>
+          </a:custGeom>
+          <a:solidFill>
+            <a:srgbClr val="FFFFFF"/>
+          </a:solidFill>
+          <a:ln w="516" cap="flat">
+            <a:noFill/>
+            <a:prstDash val="solid"/>
+            <a:miter/>
+          </a:ln>
+        </p:spPr>
+        <p:txBody>
+          <a:bodyPr rtlCol="0" anchor="ctr"/>
+          <a:lstStyle/>
+          <a:p>
+            <a:endParaRPr lang="en-US">
+              <a:solidFill>
+                <a:srgbClr val="FFFFFF"/>
+              </a:solidFill>
+            </a:endParaRPr>
+          </a:p>
+        </p:txBody>
+      </p:sp>
+      <p:sp>
+        <p:nvSpPr>
+          <p:cNvPr id="22" name="Graphic 21">
+            <a:extLst>
+              <a:ext uri="{FF2B5EF4-FFF2-40B4-BE49-F238E27FC236}">
+                <a16:creationId xmlns:a16="http://schemas.microsoft.com/office/drawing/2014/main" id="{7E0239D8-5096-29FD-7DAC-F202198BCC77}"/>
+              </a:ext>
+              <a:ext uri="{C183D7F6-B498-43B3-948B-1728B52AA6E4}">
+                <adec:decorative xmlns:adec="http://schemas.microsoft.com/office/drawing/2017/decorative" val="1"/>
+              </a:ext>
+            </a:extLst>
+          </p:cNvPr>
+          <p:cNvSpPr>
+            <a:spLocks noGrp="1" noRot="1" noChangeAspect="1" noMove="1" noResize="1" noEditPoints="1" noAdjustHandles="1" noChangeArrowheads="1" noChangeShapeType="1" noTextEdit="1"/>
+          </p:cNvSpPr>
+          <p:nvPr>
+            <p:extLst>
+              <p:ext uri="{386F3935-93C4-4BCD-93E2-E3B085C9AB24}">
+                <p16:designElem xmlns:p16="http://schemas.microsoft.com/office/powerpoint/2015/main" val="1"/>
+              </p:ext>
+            </p:extLst>
+          </p:nvPr>
+        </p:nvSpPr>
+        <p:spPr>
+          <a:xfrm>
+            <a:off x="10554288" y="6238029"/>
+            <a:ext cx="95759" cy="95759"/>
+          </a:xfrm>
+          <a:custGeom>
+            <a:avLst/>
+            <a:gdLst>
+              <a:gd name="connsiteX0" fmla="*/ 95759 w 95759"/>
+              <a:gd name="connsiteY0" fmla="*/ 47880 h 95759"/>
+              <a:gd name="connsiteX1" fmla="*/ 47880 w 95759"/>
+              <a:gd name="connsiteY1" fmla="*/ 95759 h 95759"/>
+              <a:gd name="connsiteX2" fmla="*/ 0 w 95759"/>
+              <a:gd name="connsiteY2" fmla="*/ 47880 h 95759"/>
+              <a:gd name="connsiteX3" fmla="*/ 47880 w 95759"/>
+              <a:gd name="connsiteY3" fmla="*/ 0 h 95759"/>
+              <a:gd name="connsiteX4" fmla="*/ 95759 w 95759"/>
+              <a:gd name="connsiteY4" fmla="*/ 47880 h 95759"/>
+            </a:gdLst>
+            <a:ahLst/>
+            <a:cxnLst>
+              <a:cxn ang="0">
+                <a:pos x="connsiteX0" y="connsiteY0"/>
+              </a:cxn>
+              <a:cxn ang="0">
+                <a:pos x="connsiteX1" y="connsiteY1"/>
+              </a:cxn>
+              <a:cxn ang="0">
+                <a:pos x="connsiteX2" y="connsiteY2"/>
+              </a:cxn>
+              <a:cxn ang="0">
+                <a:pos x="connsiteX3" y="connsiteY3"/>
+              </a:cxn>
+              <a:cxn ang="0">
+                <a:pos x="connsiteX4" y="connsiteY4"/>
+              </a:cxn>
+            </a:cxnLst>
+            <a:rect l="l" t="t" r="r" b="b"/>
+            <a:pathLst>
+              <a:path w="95759" h="95759">
+                <a:moveTo>
+                  <a:pt x="95759" y="47880"/>
+                </a:moveTo>
+                <a:cubicBezTo>
+                  <a:pt x="95759" y="74323"/>
+                  <a:pt x="74323" y="95759"/>
+                  <a:pt x="47880" y="95759"/>
+                </a:cubicBezTo>
+                <a:cubicBezTo>
+                  <a:pt x="21436" y="95759"/>
+                  <a:pt x="0" y="74323"/>
+                  <a:pt x="0" y="47880"/>
+                </a:cubicBezTo>
+                <a:cubicBezTo>
+                  <a:pt x="0" y="21436"/>
+                  <a:pt x="21436" y="0"/>
+                  <a:pt x="47880" y="0"/>
+                </a:cubicBezTo>
+                <a:cubicBezTo>
+                  <a:pt x="74323" y="0"/>
+                  <a:pt x="95759" y="21436"/>
+                  <a:pt x="95759" y="47880"/>
+                </a:cubicBezTo>
+                <a:close/>
+              </a:path>
+            </a:pathLst>
+          </a:custGeom>
+          <a:solidFill>
+            <a:srgbClr val="FFFFFF"/>
+          </a:solidFill>
+          <a:ln w="469" cap="flat">
+            <a:noFill/>
+            <a:prstDash val="solid"/>
+            <a:miter/>
+          </a:ln>
+        </p:spPr>
+        <p:txBody>
+          <a:bodyPr rtlCol="0" anchor="ctr"/>
+          <a:lstStyle/>
+          <a:p>
+            <a:endParaRPr lang="en-US">
+              <a:solidFill>
+                <a:srgbClr val="FFFFFF"/>
+              </a:solidFill>
+            </a:endParaRPr>
+          </a:p>
+        </p:txBody>
+      </p:sp>
+      <p:sp>
+        <p:nvSpPr>
+          <p:cNvPr id="2" name="Título 1">
+            <a:extLst>
+              <a:ext uri="{FF2B5EF4-FFF2-40B4-BE49-F238E27FC236}">
+                <a16:creationId xmlns:a16="http://schemas.microsoft.com/office/drawing/2014/main" id="{D95E6463-8556-6DF6-CFBF-B02E4A456B66}"/>
+              </a:ext>
+            </a:extLst>
+          </p:cNvPr>
+          <p:cNvSpPr>
+            <a:spLocks noGrp="1"/>
+          </p:cNvSpPr>
+          <p:nvPr>
+            <p:ph type="title"/>
+          </p:nvPr>
+        </p:nvSpPr>
+        <p:spPr>
+          <a:xfrm>
+            <a:off x="3880430" y="583345"/>
+            <a:ext cx="7160357" cy="4164820"/>
+          </a:xfrm>
+        </p:spPr>
+        <p:txBody>
+          <a:bodyPr vert="horz" lIns="91440" tIns="45720" rIns="91440" bIns="45720" rtlCol="0" anchor="t">
+            <a:normAutofit/>
+          </a:bodyPr>
+          <a:lstStyle/>
+          <a:p>
+            <a:pPr algn="r"/>
+            <a:r>
+              <a:rPr lang="en-US" sz="4000" b="0" i="0" dirty="0">
+                <a:solidFill>
+                  <a:srgbClr val="000000"/>
+                </a:solidFill>
+                <a:effectLst/>
+                <a:latin typeface="Verdana" panose="020B0604030504040204" pitchFamily="34" charset="0"/>
+              </a:rPr>
+              <a:t>TypeScript Classes.</a:t>
+            </a:r>
+            <a:endParaRPr lang="en-US" sz="8000" kern="1200" dirty="0">
+              <a:solidFill>
+                <a:srgbClr val="FFFFFF"/>
+              </a:solidFill>
+              <a:latin typeface="+mj-lt"/>
+              <a:ea typeface="+mj-ea"/>
+              <a:cs typeface="+mj-cs"/>
+            </a:endParaRPr>
+          </a:p>
+        </p:txBody>
+      </p:sp>
+      <p:pic>
+        <p:nvPicPr>
+          <p:cNvPr id="5" name="Imagem 4">
+            <a:extLst>
+              <a:ext uri="{FF2B5EF4-FFF2-40B4-BE49-F238E27FC236}">
+                <a16:creationId xmlns:a16="http://schemas.microsoft.com/office/drawing/2014/main" id="{4A6BF22D-4684-6F5B-6B4A-093B9356B6C8}"/>
+              </a:ext>
+            </a:extLst>
+          </p:cNvPr>
+          <p:cNvPicPr>
+            <a:picLocks noChangeAspect="1"/>
+          </p:cNvPicPr>
+          <p:nvPr/>
+        </p:nvPicPr>
+        <p:blipFill>
+          <a:blip r:embed="rId2"/>
+          <a:stretch>
+            <a:fillRect/>
+          </a:stretch>
+        </p:blipFill>
+        <p:spPr>
+          <a:xfrm>
+            <a:off x="399579" y="1535024"/>
+            <a:ext cx="8605467" cy="3691758"/>
+          </a:xfrm>
+          <a:prstGeom prst="rect">
+            <a:avLst/>
+          </a:prstGeom>
+        </p:spPr>
+      </p:pic>
+      <p:pic>
+        <p:nvPicPr>
+          <p:cNvPr id="9" name="Imagem 8">
+            <a:extLst>
+              <a:ext uri="{FF2B5EF4-FFF2-40B4-BE49-F238E27FC236}">
+                <a16:creationId xmlns:a16="http://schemas.microsoft.com/office/drawing/2014/main" id="{C33D1E1C-983F-5D36-C763-D52DBBE6A681}"/>
+              </a:ext>
+            </a:extLst>
+          </p:cNvPr>
+          <p:cNvPicPr>
+            <a:picLocks noChangeAspect="1"/>
+          </p:cNvPicPr>
+          <p:nvPr/>
+        </p:nvPicPr>
+        <p:blipFill>
+          <a:blip r:embed="rId3"/>
+          <a:stretch>
+            <a:fillRect/>
+          </a:stretch>
+        </p:blipFill>
+        <p:spPr>
+          <a:xfrm>
+            <a:off x="3753201" y="2579415"/>
+            <a:ext cx="8238839" cy="4164819"/>
+          </a:xfrm>
+          <a:prstGeom prst="rect">
+            <a:avLst/>
+          </a:prstGeom>
+        </p:spPr>
+      </p:pic>
+    </p:spTree>
+    <p:extLst>
+      <p:ext uri="{BB962C8B-B14F-4D97-AF65-F5344CB8AC3E}">
+        <p14:creationId xmlns:p14="http://schemas.microsoft.com/office/powerpoint/2010/main" val="1054343827"/>
+      </p:ext>
+    </p:extLst>
+  </p:cSld>
+  <p:clrMapOvr>
+    <a:masterClrMapping/>
+  </p:clrMapOvr>
+</p:sld>
+</file>
+
+<file path=ppt/slides/slide16.xml><?xml version="1.0" encoding="utf-8"?>
 <p:sld xmlns:a="http://schemas.openxmlformats.org/drawingml/2006/main" xmlns:r="http://schemas.openxmlformats.org/officeDocument/2006/relationships" xmlns:p="http://schemas.openxmlformats.org/presentationml/2006/main">
   <p:cSld>
     <p:bg>
@@ -11939,7 +13255,7 @@
                 <a:effectLst/>
                 <a:latin typeface="Verdana" panose="020B0604030504040204" pitchFamily="34" charset="0"/>
               </a:rPr>
-              <a:t>TypeScript Special Types.</a:t>
+              <a:t>TypeScript Interfaces.</a:t>
             </a:r>
             <a:endParaRPr lang="en-US" sz="8000" kern="1200" dirty="0">
               <a:solidFill>
@@ -11952,6 +13268,36 @@
           </a:p>
         </p:txBody>
       </p:sp>
+      <p:pic>
+        <p:nvPicPr>
+          <p:cNvPr id="4" name="Imagem 3">
+            <a:extLst>
+              <a:ext uri="{FF2B5EF4-FFF2-40B4-BE49-F238E27FC236}">
+                <a16:creationId xmlns:a16="http://schemas.microsoft.com/office/drawing/2014/main" id="{3A0DD4B3-98B2-905E-E22F-A003BF8688F2}"/>
+              </a:ext>
+            </a:extLst>
+          </p:cNvPr>
+          <p:cNvPicPr>
+            <a:picLocks noChangeAspect="1"/>
+          </p:cNvPicPr>
+          <p:nvPr/>
+        </p:nvPicPr>
+        <p:blipFill>
+          <a:blip r:embed="rId2"/>
+          <a:stretch>
+            <a:fillRect/>
+          </a:stretch>
+        </p:blipFill>
+        <p:spPr>
+          <a:xfrm>
+            <a:off x="288060" y="1421451"/>
+            <a:ext cx="10747192" cy="5104772"/>
+          </a:xfrm>
+          <a:prstGeom prst="rect">
+            <a:avLst/>
+          </a:prstGeom>
+        </p:spPr>
+      </p:pic>
     </p:spTree>
     <p:extLst>
       <p:ext uri="{BB962C8B-B14F-4D97-AF65-F5344CB8AC3E}">
@@ -11965,7 +13311,7 @@
 </p:sld>
 </file>
 
-<file path=ppt/slides/slide16.xml><?xml version="1.0" encoding="utf-8"?>
+<file path=ppt/slides/slide17.xml><?xml version="1.0" encoding="utf-8"?>
 <p:sld xmlns:a="http://schemas.openxmlformats.org/drawingml/2006/main" xmlns:r="http://schemas.openxmlformats.org/officeDocument/2006/relationships" xmlns:p="http://schemas.openxmlformats.org/presentationml/2006/main">
   <p:cSld>
     <p:bg>
@@ -13132,7 +14478,7 @@
                 <a:effectLst/>
                 <a:latin typeface="Verdana" panose="020B0604030504040204" pitchFamily="34" charset="0"/>
               </a:rPr>
-              <a:t>TypeScript Special Types.</a:t>
+              <a:t>TypeScript Inheritance: Extends.</a:t>
             </a:r>
             <a:endParaRPr lang="en-US" sz="8000" kern="1200" dirty="0">
               <a:solidFill>
@@ -13145,6 +14491,36 @@
           </a:p>
         </p:txBody>
       </p:sp>
+      <p:pic>
+        <p:nvPicPr>
+          <p:cNvPr id="4" name="Imagem 3">
+            <a:extLst>
+              <a:ext uri="{FF2B5EF4-FFF2-40B4-BE49-F238E27FC236}">
+                <a16:creationId xmlns:a16="http://schemas.microsoft.com/office/drawing/2014/main" id="{69D3B17D-0A3F-04FE-9B0B-96E3CC47BC50}"/>
+              </a:ext>
+            </a:extLst>
+          </p:cNvPr>
+          <p:cNvPicPr>
+            <a:picLocks noChangeAspect="1"/>
+          </p:cNvPicPr>
+          <p:nvPr/>
+        </p:nvPicPr>
+        <p:blipFill>
+          <a:blip r:embed="rId2"/>
+          <a:stretch>
+            <a:fillRect/>
+          </a:stretch>
+        </p:blipFill>
+        <p:spPr>
+          <a:xfrm>
+            <a:off x="492134" y="1286301"/>
+            <a:ext cx="7581360" cy="5384058"/>
+          </a:xfrm>
+          <a:prstGeom prst="rect">
+            <a:avLst/>
+          </a:prstGeom>
+        </p:spPr>
+      </p:pic>
     </p:spTree>
     <p:extLst>
       <p:ext uri="{BB962C8B-B14F-4D97-AF65-F5344CB8AC3E}">
@@ -13158,7 +14534,7 @@
 </p:sld>
 </file>
 
-<file path=ppt/slides/slide17.xml><?xml version="1.0" encoding="utf-8"?>
+<file path=ppt/slides/slide18.xml><?xml version="1.0" encoding="utf-8"?>
 <p:sld xmlns:a="http://schemas.openxmlformats.org/drawingml/2006/main" xmlns:r="http://schemas.openxmlformats.org/officeDocument/2006/relationships" xmlns:p="http://schemas.openxmlformats.org/presentationml/2006/main">
   <p:cSld>
     <p:bg>
@@ -14325,7 +15701,2477 @@
                 <a:effectLst/>
                 <a:latin typeface="Verdana" panose="020B0604030504040204" pitchFamily="34" charset="0"/>
               </a:rPr>
-              <a:t>TypeScript Special Types.</a:t>
+              <a:t>TypeScript Inheritance: Override.</a:t>
+            </a:r>
+            <a:endParaRPr lang="en-US" sz="8000" kern="1200" dirty="0">
+              <a:solidFill>
+                <a:srgbClr val="FFFFFF"/>
+              </a:solidFill>
+              <a:latin typeface="+mj-lt"/>
+              <a:ea typeface="+mj-ea"/>
+              <a:cs typeface="+mj-cs"/>
+            </a:endParaRPr>
+          </a:p>
+        </p:txBody>
+      </p:sp>
+      <p:pic>
+        <p:nvPicPr>
+          <p:cNvPr id="4" name="Imagem 3">
+            <a:extLst>
+              <a:ext uri="{FF2B5EF4-FFF2-40B4-BE49-F238E27FC236}">
+                <a16:creationId xmlns:a16="http://schemas.microsoft.com/office/drawing/2014/main" id="{17CC80DA-9A40-E4EB-1481-EEBE4B360ECB}"/>
+              </a:ext>
+            </a:extLst>
+          </p:cNvPr>
+          <p:cNvPicPr>
+            <a:picLocks noChangeAspect="1"/>
+          </p:cNvPicPr>
+          <p:nvPr/>
+        </p:nvPicPr>
+        <p:blipFill>
+          <a:blip r:embed="rId2"/>
+          <a:stretch>
+            <a:fillRect/>
+          </a:stretch>
+        </p:blipFill>
+        <p:spPr>
+          <a:xfrm>
+            <a:off x="568243" y="1218460"/>
+            <a:ext cx="6892365" cy="5271247"/>
+          </a:xfrm>
+          <a:prstGeom prst="rect">
+            <a:avLst/>
+          </a:prstGeom>
+        </p:spPr>
+      </p:pic>
+    </p:spTree>
+    <p:extLst>
+      <p:ext uri="{BB962C8B-B14F-4D97-AF65-F5344CB8AC3E}">
+        <p14:creationId xmlns:p14="http://schemas.microsoft.com/office/powerpoint/2010/main" val="1706469380"/>
+      </p:ext>
+    </p:extLst>
+  </p:cSld>
+  <p:clrMapOvr>
+    <a:masterClrMapping/>
+  </p:clrMapOvr>
+</p:sld>
+</file>
+
+<file path=ppt/slides/slide19.xml><?xml version="1.0" encoding="utf-8"?>
+<p:sld xmlns:a="http://schemas.openxmlformats.org/drawingml/2006/main" xmlns:r="http://schemas.openxmlformats.org/officeDocument/2006/relationships" xmlns:p="http://schemas.openxmlformats.org/presentationml/2006/main">
+  <p:cSld>
+    <p:bg>
+      <p:bgPr>
+        <a:solidFill>
+          <a:schemeClr val="bg1"/>
+        </a:solidFill>
+        <a:effectLst/>
+      </p:bgPr>
+    </p:bg>
+    <p:spTree>
+      <p:nvGrpSpPr>
+        <p:cNvPr id="1" name="">
+          <a:extLst>
+            <a:ext uri="{FF2B5EF4-FFF2-40B4-BE49-F238E27FC236}">
+              <a16:creationId xmlns:a16="http://schemas.microsoft.com/office/drawing/2014/main" id="{A012C3CD-5952-821C-7630-38C2B586643E}"/>
+            </a:ext>
+          </a:extLst>
+        </p:cNvPr>
+        <p:cNvGrpSpPr/>
+        <p:nvPr/>
+      </p:nvGrpSpPr>
+      <p:grpSpPr>
+        <a:xfrm>
+          <a:off x="0" y="0"/>
+          <a:ext cx="0" cy="0"/>
+          <a:chOff x="0" y="0"/>
+          <a:chExt cx="0" cy="0"/>
+        </a:xfrm>
+      </p:grpSpPr>
+      <p:sp>
+        <p:nvSpPr>
+          <p:cNvPr id="8" name="Rectangle 7">
+            <a:extLst>
+              <a:ext uri="{FF2B5EF4-FFF2-40B4-BE49-F238E27FC236}">
+                <a16:creationId xmlns:a16="http://schemas.microsoft.com/office/drawing/2014/main" id="{BE96DF64-1733-4360-4A56-C4E46F8585C3}"/>
+              </a:ext>
+              <a:ext uri="{C183D7F6-B498-43B3-948B-1728B52AA6E4}">
+                <adec:decorative xmlns:adec="http://schemas.microsoft.com/office/drawing/2017/decorative" val="1"/>
+              </a:ext>
+            </a:extLst>
+          </p:cNvPr>
+          <p:cNvSpPr>
+            <a:spLocks noGrp="1" noRot="1" noChangeAspect="1" noMove="1" noResize="1" noEditPoints="1" noAdjustHandles="1" noChangeArrowheads="1" noChangeShapeType="1" noTextEdit="1"/>
+          </p:cNvSpPr>
+          <p:nvPr>
+            <p:extLst>
+              <p:ext uri="{386F3935-93C4-4BCD-93E2-E3B085C9AB24}">
+                <p16:designElem xmlns:p16="http://schemas.microsoft.com/office/powerpoint/2015/main" val="1"/>
+              </p:ext>
+            </p:extLst>
+          </p:nvPr>
+        </p:nvSpPr>
+        <p:spPr>
+          <a:xfrm>
+            <a:off x="0" y="0"/>
+            <a:ext cx="12192000" cy="6858000"/>
+          </a:xfrm>
+          <a:prstGeom prst="rect">
+            <a:avLst/>
+          </a:prstGeom>
+          <a:gradFill flip="none" rotWithShape="1">
+            <a:gsLst>
+              <a:gs pos="0">
+                <a:schemeClr val="accent1"/>
+              </a:gs>
+              <a:gs pos="100000">
+                <a:schemeClr val="accent2"/>
+              </a:gs>
+            </a:gsLst>
+            <a:lin ang="8100000" scaled="0"/>
+            <a:tileRect/>
+          </a:gradFill>
+          <a:ln>
+            <a:noFill/>
+          </a:ln>
+        </p:spPr>
+        <p:style>
+          <a:lnRef idx="2">
+            <a:schemeClr val="accent1">
+              <a:shade val="50000"/>
+            </a:schemeClr>
+          </a:lnRef>
+          <a:fillRef idx="1">
+            <a:schemeClr val="accent1"/>
+          </a:fillRef>
+          <a:effectRef idx="0">
+            <a:schemeClr val="accent1"/>
+          </a:effectRef>
+          <a:fontRef idx="minor">
+            <a:schemeClr val="lt1"/>
+          </a:fontRef>
+        </p:style>
+        <p:txBody>
+          <a:bodyPr rtlCol="0" anchor="ctr"/>
+          <a:lstStyle/>
+          <a:p>
+            <a:pPr algn="ctr"/>
+            <a:endParaRPr lang="en-US">
+              <a:solidFill>
+                <a:srgbClr val="FFFFFF"/>
+              </a:solidFill>
+            </a:endParaRPr>
+          </a:p>
+        </p:txBody>
+      </p:sp>
+      <p:sp>
+        <p:nvSpPr>
+          <p:cNvPr id="10" name="Graphic 13">
+            <a:extLst>
+              <a:ext uri="{FF2B5EF4-FFF2-40B4-BE49-F238E27FC236}">
+                <a16:creationId xmlns:a16="http://schemas.microsoft.com/office/drawing/2014/main" id="{910AAE7A-CB28-818C-5C59-7D38B52EC9CC}"/>
+              </a:ext>
+              <a:ext uri="{C183D7F6-B498-43B3-948B-1728B52AA6E4}">
+                <adec:decorative xmlns:adec="http://schemas.microsoft.com/office/drawing/2017/decorative" val="1"/>
+              </a:ext>
+            </a:extLst>
+          </p:cNvPr>
+          <p:cNvSpPr>
+            <a:spLocks noGrp="1" noRot="1" noChangeAspect="1" noMove="1" noResize="1" noEditPoints="1" noAdjustHandles="1" noChangeArrowheads="1" noChangeShapeType="1" noTextEdit="1"/>
+          </p:cNvSpPr>
+          <p:nvPr>
+            <p:extLst>
+              <p:ext uri="{386F3935-93C4-4BCD-93E2-E3B085C9AB24}">
+                <p16:designElem xmlns:p16="http://schemas.microsoft.com/office/powerpoint/2015/main" val="1"/>
+              </p:ext>
+            </p:extLst>
+          </p:nvPr>
+        </p:nvSpPr>
+        <p:spPr>
+          <a:xfrm>
+            <a:off x="3474359" y="583345"/>
+            <a:ext cx="139039" cy="139039"/>
+          </a:xfrm>
+          <a:custGeom>
+            <a:avLst/>
+            <a:gdLst>
+              <a:gd name="connsiteX0" fmla="*/ 129602 w 139039"/>
+              <a:gd name="connsiteY0" fmla="*/ 60082 h 139039"/>
+              <a:gd name="connsiteX1" fmla="*/ 78957 w 139039"/>
+              <a:gd name="connsiteY1" fmla="*/ 60082 h 139039"/>
+              <a:gd name="connsiteX2" fmla="*/ 78957 w 139039"/>
+              <a:gd name="connsiteY2" fmla="*/ 9437 h 139039"/>
+              <a:gd name="connsiteX3" fmla="*/ 69520 w 139039"/>
+              <a:gd name="connsiteY3" fmla="*/ 0 h 139039"/>
+              <a:gd name="connsiteX4" fmla="*/ 60082 w 139039"/>
+              <a:gd name="connsiteY4" fmla="*/ 9437 h 139039"/>
+              <a:gd name="connsiteX5" fmla="*/ 60082 w 139039"/>
+              <a:gd name="connsiteY5" fmla="*/ 60082 h 139039"/>
+              <a:gd name="connsiteX6" fmla="*/ 9437 w 139039"/>
+              <a:gd name="connsiteY6" fmla="*/ 60082 h 139039"/>
+              <a:gd name="connsiteX7" fmla="*/ 0 w 139039"/>
+              <a:gd name="connsiteY7" fmla="*/ 69520 h 139039"/>
+              <a:gd name="connsiteX8" fmla="*/ 9437 w 139039"/>
+              <a:gd name="connsiteY8" fmla="*/ 78957 h 139039"/>
+              <a:gd name="connsiteX9" fmla="*/ 60082 w 139039"/>
+              <a:gd name="connsiteY9" fmla="*/ 78957 h 139039"/>
+              <a:gd name="connsiteX10" fmla="*/ 60082 w 139039"/>
+              <a:gd name="connsiteY10" fmla="*/ 129602 h 139039"/>
+              <a:gd name="connsiteX11" fmla="*/ 69520 w 139039"/>
+              <a:gd name="connsiteY11" fmla="*/ 139039 h 139039"/>
+              <a:gd name="connsiteX12" fmla="*/ 78957 w 139039"/>
+              <a:gd name="connsiteY12" fmla="*/ 129602 h 139039"/>
+              <a:gd name="connsiteX13" fmla="*/ 78957 w 139039"/>
+              <a:gd name="connsiteY13" fmla="*/ 78957 h 139039"/>
+              <a:gd name="connsiteX14" fmla="*/ 129602 w 139039"/>
+              <a:gd name="connsiteY14" fmla="*/ 78957 h 139039"/>
+              <a:gd name="connsiteX15" fmla="*/ 139039 w 139039"/>
+              <a:gd name="connsiteY15" fmla="*/ 69520 h 139039"/>
+              <a:gd name="connsiteX16" fmla="*/ 129602 w 139039"/>
+              <a:gd name="connsiteY16" fmla="*/ 60082 h 139039"/>
+            </a:gdLst>
+            <a:ahLst/>
+            <a:cxnLst>
+              <a:cxn ang="0">
+                <a:pos x="connsiteX0" y="connsiteY0"/>
+              </a:cxn>
+              <a:cxn ang="0">
+                <a:pos x="connsiteX1" y="connsiteY1"/>
+              </a:cxn>
+              <a:cxn ang="0">
+                <a:pos x="connsiteX2" y="connsiteY2"/>
+              </a:cxn>
+              <a:cxn ang="0">
+                <a:pos x="connsiteX3" y="connsiteY3"/>
+              </a:cxn>
+              <a:cxn ang="0">
+                <a:pos x="connsiteX4" y="connsiteY4"/>
+              </a:cxn>
+              <a:cxn ang="0">
+                <a:pos x="connsiteX5" y="connsiteY5"/>
+              </a:cxn>
+              <a:cxn ang="0">
+                <a:pos x="connsiteX6" y="connsiteY6"/>
+              </a:cxn>
+              <a:cxn ang="0">
+                <a:pos x="connsiteX7" y="connsiteY7"/>
+              </a:cxn>
+              <a:cxn ang="0">
+                <a:pos x="connsiteX8" y="connsiteY8"/>
+              </a:cxn>
+              <a:cxn ang="0">
+                <a:pos x="connsiteX9" y="connsiteY9"/>
+              </a:cxn>
+              <a:cxn ang="0">
+                <a:pos x="connsiteX10" y="connsiteY10"/>
+              </a:cxn>
+              <a:cxn ang="0">
+                <a:pos x="connsiteX11" y="connsiteY11"/>
+              </a:cxn>
+              <a:cxn ang="0">
+                <a:pos x="connsiteX12" y="connsiteY12"/>
+              </a:cxn>
+              <a:cxn ang="0">
+                <a:pos x="connsiteX13" y="connsiteY13"/>
+              </a:cxn>
+              <a:cxn ang="0">
+                <a:pos x="connsiteX14" y="connsiteY14"/>
+              </a:cxn>
+              <a:cxn ang="0">
+                <a:pos x="connsiteX15" y="connsiteY15"/>
+              </a:cxn>
+              <a:cxn ang="0">
+                <a:pos x="connsiteX16" y="connsiteY16"/>
+              </a:cxn>
+            </a:cxnLst>
+            <a:rect l="l" t="t" r="r" b="b"/>
+            <a:pathLst>
+              <a:path w="139039" h="139039">
+                <a:moveTo>
+                  <a:pt x="129602" y="60082"/>
+                </a:moveTo>
+                <a:lnTo>
+                  <a:pt x="78957" y="60082"/>
+                </a:lnTo>
+                <a:lnTo>
+                  <a:pt x="78957" y="9437"/>
+                </a:lnTo>
+                <a:cubicBezTo>
+                  <a:pt x="78957" y="4225"/>
+                  <a:pt x="74731" y="0"/>
+                  <a:pt x="69520" y="0"/>
+                </a:cubicBezTo>
+                <a:cubicBezTo>
+                  <a:pt x="64308" y="0"/>
+                  <a:pt x="60082" y="4225"/>
+                  <a:pt x="60082" y="9437"/>
+                </a:cubicBezTo>
+                <a:lnTo>
+                  <a:pt x="60082" y="60082"/>
+                </a:lnTo>
+                <a:lnTo>
+                  <a:pt x="9437" y="60082"/>
+                </a:lnTo>
+                <a:cubicBezTo>
+                  <a:pt x="4225" y="60082"/>
+                  <a:pt x="0" y="64308"/>
+                  <a:pt x="0" y="69520"/>
+                </a:cubicBezTo>
+                <a:cubicBezTo>
+                  <a:pt x="0" y="74731"/>
+                  <a:pt x="4225" y="78957"/>
+                  <a:pt x="9437" y="78957"/>
+                </a:cubicBezTo>
+                <a:lnTo>
+                  <a:pt x="60082" y="78957"/>
+                </a:lnTo>
+                <a:lnTo>
+                  <a:pt x="60082" y="129602"/>
+                </a:lnTo>
+                <a:cubicBezTo>
+                  <a:pt x="60082" y="134814"/>
+                  <a:pt x="64308" y="139039"/>
+                  <a:pt x="69520" y="139039"/>
+                </a:cubicBezTo>
+                <a:cubicBezTo>
+                  <a:pt x="74731" y="139039"/>
+                  <a:pt x="78957" y="134814"/>
+                  <a:pt x="78957" y="129602"/>
+                </a:cubicBezTo>
+                <a:lnTo>
+                  <a:pt x="78957" y="78957"/>
+                </a:lnTo>
+                <a:lnTo>
+                  <a:pt x="129602" y="78957"/>
+                </a:lnTo>
+                <a:cubicBezTo>
+                  <a:pt x="134814" y="78957"/>
+                  <a:pt x="139039" y="74731"/>
+                  <a:pt x="139039" y="69520"/>
+                </a:cubicBezTo>
+                <a:cubicBezTo>
+                  <a:pt x="139039" y="64308"/>
+                  <a:pt x="134814" y="60082"/>
+                  <a:pt x="129602" y="60082"/>
+                </a:cubicBezTo>
+                <a:close/>
+              </a:path>
+            </a:pathLst>
+          </a:custGeom>
+          <a:solidFill>
+            <a:srgbClr val="FFFFFF"/>
+          </a:solidFill>
+          <a:ln w="603" cap="flat">
+            <a:noFill/>
+            <a:prstDash val="solid"/>
+            <a:miter/>
+          </a:ln>
+        </p:spPr>
+        <p:txBody>
+          <a:bodyPr rtlCol="0" anchor="ctr"/>
+          <a:lstStyle/>
+          <a:p>
+            <a:endParaRPr lang="en-US">
+              <a:solidFill>
+                <a:srgbClr val="FFFFFF"/>
+              </a:solidFill>
+            </a:endParaRPr>
+          </a:p>
+        </p:txBody>
+      </p:sp>
+      <p:sp>
+        <p:nvSpPr>
+          <p:cNvPr id="12" name="Graphic 12">
+            <a:extLst>
+              <a:ext uri="{FF2B5EF4-FFF2-40B4-BE49-F238E27FC236}">
+                <a16:creationId xmlns:a16="http://schemas.microsoft.com/office/drawing/2014/main" id="{4E17690C-BEC2-B179-2A04-6A6ABDF90057}"/>
+              </a:ext>
+              <a:ext uri="{C183D7F6-B498-43B3-948B-1728B52AA6E4}">
+                <adec:decorative xmlns:adec="http://schemas.microsoft.com/office/drawing/2017/decorative" val="1"/>
+              </a:ext>
+            </a:extLst>
+          </p:cNvPr>
+          <p:cNvSpPr>
+            <a:spLocks noGrp="1" noRot="1" noChangeAspect="1" noMove="1" noResize="1" noEditPoints="1" noAdjustHandles="1" noChangeArrowheads="1" noChangeShapeType="1" noTextEdit="1"/>
+          </p:cNvSpPr>
+          <p:nvPr>
+            <p:extLst>
+              <p:ext uri="{386F3935-93C4-4BCD-93E2-E3B085C9AB24}">
+                <p16:designElem xmlns:p16="http://schemas.microsoft.com/office/powerpoint/2015/main" val="1"/>
+              </p:ext>
+            </p:extLst>
+          </p:nvPr>
+        </p:nvSpPr>
+        <p:spPr>
+          <a:xfrm>
+            <a:off x="3833139" y="812640"/>
+            <a:ext cx="91138" cy="91138"/>
+          </a:xfrm>
+          <a:custGeom>
+            <a:avLst/>
+            <a:gdLst>
+              <a:gd name="connsiteX0" fmla="*/ 91138 w 91138"/>
+              <a:gd name="connsiteY0" fmla="*/ 45569 h 91138"/>
+              <a:gd name="connsiteX1" fmla="*/ 45569 w 91138"/>
+              <a:gd name="connsiteY1" fmla="*/ 91138 h 91138"/>
+              <a:gd name="connsiteX2" fmla="*/ 0 w 91138"/>
+              <a:gd name="connsiteY2" fmla="*/ 45569 h 91138"/>
+              <a:gd name="connsiteX3" fmla="*/ 45569 w 91138"/>
+              <a:gd name="connsiteY3" fmla="*/ 0 h 91138"/>
+              <a:gd name="connsiteX4" fmla="*/ 91138 w 91138"/>
+              <a:gd name="connsiteY4" fmla="*/ 45569 h 91138"/>
+            </a:gdLst>
+            <a:ahLst/>
+            <a:cxnLst>
+              <a:cxn ang="0">
+                <a:pos x="connsiteX0" y="connsiteY0"/>
+              </a:cxn>
+              <a:cxn ang="0">
+                <a:pos x="connsiteX1" y="connsiteY1"/>
+              </a:cxn>
+              <a:cxn ang="0">
+                <a:pos x="connsiteX2" y="connsiteY2"/>
+              </a:cxn>
+              <a:cxn ang="0">
+                <a:pos x="connsiteX3" y="connsiteY3"/>
+              </a:cxn>
+              <a:cxn ang="0">
+                <a:pos x="connsiteX4" y="connsiteY4"/>
+              </a:cxn>
+            </a:cxnLst>
+            <a:rect l="l" t="t" r="r" b="b"/>
+            <a:pathLst>
+              <a:path w="91138" h="91138">
+                <a:moveTo>
+                  <a:pt x="91138" y="45569"/>
+                </a:moveTo>
+                <a:cubicBezTo>
+                  <a:pt x="91138" y="70736"/>
+                  <a:pt x="70736" y="91138"/>
+                  <a:pt x="45569" y="91138"/>
+                </a:cubicBezTo>
+                <a:cubicBezTo>
+                  <a:pt x="20402" y="91138"/>
+                  <a:pt x="0" y="70736"/>
+                  <a:pt x="0" y="45569"/>
+                </a:cubicBezTo>
+                <a:cubicBezTo>
+                  <a:pt x="0" y="20402"/>
+                  <a:pt x="20402" y="0"/>
+                  <a:pt x="45569" y="0"/>
+                </a:cubicBezTo>
+                <a:cubicBezTo>
+                  <a:pt x="70736" y="0"/>
+                  <a:pt x="91138" y="20402"/>
+                  <a:pt x="91138" y="45569"/>
+                </a:cubicBezTo>
+                <a:close/>
+              </a:path>
+            </a:pathLst>
+          </a:custGeom>
+          <a:solidFill>
+            <a:srgbClr val="FFFFFF"/>
+          </a:solidFill>
+          <a:ln w="422" cap="flat">
+            <a:noFill/>
+            <a:prstDash val="solid"/>
+            <a:miter/>
+          </a:ln>
+        </p:spPr>
+        <p:txBody>
+          <a:bodyPr rtlCol="0" anchor="ctr"/>
+          <a:lstStyle/>
+          <a:p>
+            <a:endParaRPr lang="en-US">
+              <a:solidFill>
+                <a:srgbClr val="FFFFFF"/>
+              </a:solidFill>
+            </a:endParaRPr>
+          </a:p>
+        </p:txBody>
+      </p:sp>
+      <p:sp>
+        <p:nvSpPr>
+          <p:cNvPr id="14" name="Graphic 15">
+            <a:extLst>
+              <a:ext uri="{FF2B5EF4-FFF2-40B4-BE49-F238E27FC236}">
+                <a16:creationId xmlns:a16="http://schemas.microsoft.com/office/drawing/2014/main" id="{0C43BAD7-347C-C056-8389-D4220D2C3058}"/>
+              </a:ext>
+              <a:ext uri="{C183D7F6-B498-43B3-948B-1728B52AA6E4}">
+                <adec:decorative xmlns:adec="http://schemas.microsoft.com/office/drawing/2017/decorative" val="1"/>
+              </a:ext>
+            </a:extLst>
+          </p:cNvPr>
+          <p:cNvSpPr>
+            <a:spLocks noGrp="1" noRot="1" noChangeAspect="1" noMove="1" noResize="1" noEditPoints="1" noAdjustHandles="1" noChangeArrowheads="1" noChangeShapeType="1" noTextEdit="1"/>
+          </p:cNvSpPr>
+          <p:nvPr>
+            <p:extLst>
+              <p:ext uri="{386F3935-93C4-4BCD-93E2-E3B085C9AB24}">
+                <p16:designElem xmlns:p16="http://schemas.microsoft.com/office/powerpoint/2015/main" val="1"/>
+              </p:ext>
+            </p:extLst>
+          </p:nvPr>
+        </p:nvSpPr>
+        <p:spPr>
+          <a:xfrm>
+            <a:off x="3458819" y="1037066"/>
+            <a:ext cx="127714" cy="127714"/>
+          </a:xfrm>
+          <a:custGeom>
+            <a:avLst/>
+            <a:gdLst>
+              <a:gd name="connsiteX0" fmla="*/ 63857 w 127714"/>
+              <a:gd name="connsiteY0" fmla="*/ 18874 h 127714"/>
+              <a:gd name="connsiteX1" fmla="*/ 108840 w 127714"/>
+              <a:gd name="connsiteY1" fmla="*/ 63857 h 127714"/>
+              <a:gd name="connsiteX2" fmla="*/ 63857 w 127714"/>
+              <a:gd name="connsiteY2" fmla="*/ 108840 h 127714"/>
+              <a:gd name="connsiteX3" fmla="*/ 18874 w 127714"/>
+              <a:gd name="connsiteY3" fmla="*/ 63857 h 127714"/>
+              <a:gd name="connsiteX4" fmla="*/ 63857 w 127714"/>
+              <a:gd name="connsiteY4" fmla="*/ 18874 h 127714"/>
+              <a:gd name="connsiteX5" fmla="*/ 63857 w 127714"/>
+              <a:gd name="connsiteY5" fmla="*/ 0 h 127714"/>
+              <a:gd name="connsiteX6" fmla="*/ 0 w 127714"/>
+              <a:gd name="connsiteY6" fmla="*/ 63857 h 127714"/>
+              <a:gd name="connsiteX7" fmla="*/ 63857 w 127714"/>
+              <a:gd name="connsiteY7" fmla="*/ 127714 h 127714"/>
+              <a:gd name="connsiteX8" fmla="*/ 127714 w 127714"/>
+              <a:gd name="connsiteY8" fmla="*/ 63857 h 127714"/>
+              <a:gd name="connsiteX9" fmla="*/ 63857 w 127714"/>
+              <a:gd name="connsiteY9" fmla="*/ 0 h 127714"/>
+            </a:gdLst>
+            <a:ahLst/>
+            <a:cxnLst>
+              <a:cxn ang="0">
+                <a:pos x="connsiteX0" y="connsiteY0"/>
+              </a:cxn>
+              <a:cxn ang="0">
+                <a:pos x="connsiteX1" y="connsiteY1"/>
+              </a:cxn>
+              <a:cxn ang="0">
+                <a:pos x="connsiteX2" y="connsiteY2"/>
+              </a:cxn>
+              <a:cxn ang="0">
+                <a:pos x="connsiteX3" y="connsiteY3"/>
+              </a:cxn>
+              <a:cxn ang="0">
+                <a:pos x="connsiteX4" y="connsiteY4"/>
+              </a:cxn>
+              <a:cxn ang="0">
+                <a:pos x="connsiteX5" y="connsiteY5"/>
+              </a:cxn>
+              <a:cxn ang="0">
+                <a:pos x="connsiteX6" y="connsiteY6"/>
+              </a:cxn>
+              <a:cxn ang="0">
+                <a:pos x="connsiteX7" y="connsiteY7"/>
+              </a:cxn>
+              <a:cxn ang="0">
+                <a:pos x="connsiteX8" y="connsiteY8"/>
+              </a:cxn>
+              <a:cxn ang="0">
+                <a:pos x="connsiteX9" y="connsiteY9"/>
+              </a:cxn>
+            </a:cxnLst>
+            <a:rect l="l" t="t" r="r" b="b"/>
+            <a:pathLst>
+              <a:path w="127714" h="127714">
+                <a:moveTo>
+                  <a:pt x="63857" y="18874"/>
+                </a:moveTo>
+                <a:cubicBezTo>
+                  <a:pt x="88700" y="18874"/>
+                  <a:pt x="108840" y="39014"/>
+                  <a:pt x="108840" y="63857"/>
+                </a:cubicBezTo>
+                <a:cubicBezTo>
+                  <a:pt x="108840" y="88700"/>
+                  <a:pt x="88700" y="108840"/>
+                  <a:pt x="63857" y="108840"/>
+                </a:cubicBezTo>
+                <a:cubicBezTo>
+                  <a:pt x="39014" y="108840"/>
+                  <a:pt x="18874" y="88700"/>
+                  <a:pt x="18874" y="63857"/>
+                </a:cubicBezTo>
+                <a:cubicBezTo>
+                  <a:pt x="18898" y="39024"/>
+                  <a:pt x="39024" y="18898"/>
+                  <a:pt x="63857" y="18874"/>
+                </a:cubicBezTo>
+                <a:moveTo>
+                  <a:pt x="63857" y="0"/>
+                </a:moveTo>
+                <a:cubicBezTo>
+                  <a:pt x="28590" y="0"/>
+                  <a:pt x="0" y="28590"/>
+                  <a:pt x="0" y="63857"/>
+                </a:cubicBezTo>
+                <a:cubicBezTo>
+                  <a:pt x="0" y="99124"/>
+                  <a:pt x="28590" y="127714"/>
+                  <a:pt x="63857" y="127714"/>
+                </a:cubicBezTo>
+                <a:cubicBezTo>
+                  <a:pt x="99124" y="127714"/>
+                  <a:pt x="127714" y="99124"/>
+                  <a:pt x="127714" y="63857"/>
+                </a:cubicBezTo>
+                <a:cubicBezTo>
+                  <a:pt x="127714" y="28590"/>
+                  <a:pt x="99124" y="0"/>
+                  <a:pt x="63857" y="0"/>
+                </a:cubicBezTo>
+                <a:close/>
+              </a:path>
+            </a:pathLst>
+          </a:custGeom>
+          <a:solidFill>
+            <a:srgbClr val="FFFFFF"/>
+          </a:solidFill>
+          <a:ln w="610" cap="flat">
+            <a:noFill/>
+            <a:prstDash val="solid"/>
+            <a:miter/>
+          </a:ln>
+        </p:spPr>
+        <p:txBody>
+          <a:bodyPr rtlCol="0" anchor="ctr"/>
+          <a:lstStyle/>
+          <a:p>
+            <a:endParaRPr lang="en-US">
+              <a:solidFill>
+                <a:srgbClr val="FFFFFF"/>
+              </a:solidFill>
+            </a:endParaRPr>
+          </a:p>
+        </p:txBody>
+      </p:sp>
+      <p:cxnSp>
+        <p:nvCxnSpPr>
+          <p:cNvPr id="16" name="Straight Connector 15">
+            <a:extLst>
+              <a:ext uri="{FF2B5EF4-FFF2-40B4-BE49-F238E27FC236}">
+                <a16:creationId xmlns:a16="http://schemas.microsoft.com/office/drawing/2014/main" id="{5C1FA89F-2096-9975-2F74-FD220F1EEB03}"/>
+              </a:ext>
+              <a:ext uri="{C183D7F6-B498-43B3-948B-1728B52AA6E4}">
+                <adec:decorative xmlns:adec="http://schemas.microsoft.com/office/drawing/2017/decorative" val="1"/>
+              </a:ext>
+            </a:extLst>
+          </p:cNvPr>
+          <p:cNvCxnSpPr>
+            <a:cxnSpLocks noGrp="1" noRot="1" noChangeAspect="1" noMove="1" noResize="1" noEditPoints="1" noAdjustHandles="1" noChangeArrowheads="1" noChangeShapeType="1"/>
+          </p:cNvCxnSpPr>
+          <p:nvPr>
+            <p:extLst>
+              <p:ext uri="{386F3935-93C4-4BCD-93E2-E3B085C9AB24}">
+                <p16:designElem xmlns:p16="http://schemas.microsoft.com/office/powerpoint/2015/main" val="1"/>
+              </p:ext>
+            </p:extLst>
+          </p:nvPr>
+        </p:nvCxnSpPr>
+        <p:spPr>
+          <a:xfrm>
+            <a:off x="856114" y="3503032"/>
+            <a:ext cx="0" cy="3346090"/>
+          </a:xfrm>
+          <a:prstGeom prst="line">
+            <a:avLst/>
+          </a:prstGeom>
+          <a:ln w="25400" cap="sq">
+            <a:solidFill>
+              <a:srgbClr val="FFFFFF"/>
+            </a:solidFill>
+            <a:bevel/>
+          </a:ln>
+        </p:spPr>
+        <p:style>
+          <a:lnRef idx="1">
+            <a:schemeClr val="accent1"/>
+          </a:lnRef>
+          <a:fillRef idx="0">
+            <a:schemeClr val="accent1"/>
+          </a:fillRef>
+          <a:effectRef idx="0">
+            <a:schemeClr val="accent1"/>
+          </a:effectRef>
+          <a:fontRef idx="minor">
+            <a:schemeClr val="tx1"/>
+          </a:fontRef>
+        </p:style>
+      </p:cxnSp>
+      <p:sp>
+        <p:nvSpPr>
+          <p:cNvPr id="18" name="Graphic 22">
+            <a:extLst>
+              <a:ext uri="{FF2B5EF4-FFF2-40B4-BE49-F238E27FC236}">
+                <a16:creationId xmlns:a16="http://schemas.microsoft.com/office/drawing/2014/main" id="{A6021081-B170-0146-AE06-44ED5F147948}"/>
+              </a:ext>
+              <a:ext uri="{C183D7F6-B498-43B3-948B-1728B52AA6E4}">
+                <adec:decorative xmlns:adec="http://schemas.microsoft.com/office/drawing/2017/decorative" val="1"/>
+              </a:ext>
+            </a:extLst>
+          </p:cNvPr>
+          <p:cNvSpPr>
+            <a:spLocks noGrp="1" noRot="1" noChangeAspect="1" noMove="1" noResize="1" noEditPoints="1" noAdjustHandles="1" noChangeArrowheads="1" noChangeShapeType="1" noTextEdit="1"/>
+          </p:cNvSpPr>
+          <p:nvPr>
+            <p:extLst>
+              <p:ext uri="{386F3935-93C4-4BCD-93E2-E3B085C9AB24}">
+                <p16:designElem xmlns:p16="http://schemas.microsoft.com/office/powerpoint/2015/main" val="1"/>
+              </p:ext>
+            </p:extLst>
+          </p:nvPr>
+        </p:nvSpPr>
+        <p:spPr>
+          <a:xfrm>
+            <a:off x="10836425" y="5636680"/>
+            <a:ext cx="151536" cy="151536"/>
+          </a:xfrm>
+          <a:custGeom>
+            <a:avLst/>
+            <a:gdLst>
+              <a:gd name="connsiteX0" fmla="*/ 141251 w 151536"/>
+              <a:gd name="connsiteY0" fmla="*/ 65483 h 151536"/>
+              <a:gd name="connsiteX1" fmla="*/ 86053 w 151536"/>
+              <a:gd name="connsiteY1" fmla="*/ 65483 h 151536"/>
+              <a:gd name="connsiteX2" fmla="*/ 86053 w 151536"/>
+              <a:gd name="connsiteY2" fmla="*/ 10285 h 151536"/>
+              <a:gd name="connsiteX3" fmla="*/ 75768 w 151536"/>
+              <a:gd name="connsiteY3" fmla="*/ 0 h 151536"/>
+              <a:gd name="connsiteX4" fmla="*/ 65483 w 151536"/>
+              <a:gd name="connsiteY4" fmla="*/ 10285 h 151536"/>
+              <a:gd name="connsiteX5" fmla="*/ 65483 w 151536"/>
+              <a:gd name="connsiteY5" fmla="*/ 65483 h 151536"/>
+              <a:gd name="connsiteX6" fmla="*/ 10285 w 151536"/>
+              <a:gd name="connsiteY6" fmla="*/ 65483 h 151536"/>
+              <a:gd name="connsiteX7" fmla="*/ 0 w 151536"/>
+              <a:gd name="connsiteY7" fmla="*/ 75768 h 151536"/>
+              <a:gd name="connsiteX8" fmla="*/ 10285 w 151536"/>
+              <a:gd name="connsiteY8" fmla="*/ 86053 h 151536"/>
+              <a:gd name="connsiteX9" fmla="*/ 65483 w 151536"/>
+              <a:gd name="connsiteY9" fmla="*/ 86053 h 151536"/>
+              <a:gd name="connsiteX10" fmla="*/ 65483 w 151536"/>
+              <a:gd name="connsiteY10" fmla="*/ 141251 h 151536"/>
+              <a:gd name="connsiteX11" fmla="*/ 75768 w 151536"/>
+              <a:gd name="connsiteY11" fmla="*/ 151536 h 151536"/>
+              <a:gd name="connsiteX12" fmla="*/ 86053 w 151536"/>
+              <a:gd name="connsiteY12" fmla="*/ 141251 h 151536"/>
+              <a:gd name="connsiteX13" fmla="*/ 86053 w 151536"/>
+              <a:gd name="connsiteY13" fmla="*/ 86053 h 151536"/>
+              <a:gd name="connsiteX14" fmla="*/ 141251 w 151536"/>
+              <a:gd name="connsiteY14" fmla="*/ 86053 h 151536"/>
+              <a:gd name="connsiteX15" fmla="*/ 151536 w 151536"/>
+              <a:gd name="connsiteY15" fmla="*/ 75768 h 151536"/>
+              <a:gd name="connsiteX16" fmla="*/ 141251 w 151536"/>
+              <a:gd name="connsiteY16" fmla="*/ 65483 h 151536"/>
+            </a:gdLst>
+            <a:ahLst/>
+            <a:cxnLst>
+              <a:cxn ang="0">
+                <a:pos x="connsiteX0" y="connsiteY0"/>
+              </a:cxn>
+              <a:cxn ang="0">
+                <a:pos x="connsiteX1" y="connsiteY1"/>
+              </a:cxn>
+              <a:cxn ang="0">
+                <a:pos x="connsiteX2" y="connsiteY2"/>
+              </a:cxn>
+              <a:cxn ang="0">
+                <a:pos x="connsiteX3" y="connsiteY3"/>
+              </a:cxn>
+              <a:cxn ang="0">
+                <a:pos x="connsiteX4" y="connsiteY4"/>
+              </a:cxn>
+              <a:cxn ang="0">
+                <a:pos x="connsiteX5" y="connsiteY5"/>
+              </a:cxn>
+              <a:cxn ang="0">
+                <a:pos x="connsiteX6" y="connsiteY6"/>
+              </a:cxn>
+              <a:cxn ang="0">
+                <a:pos x="connsiteX7" y="connsiteY7"/>
+              </a:cxn>
+              <a:cxn ang="0">
+                <a:pos x="connsiteX8" y="connsiteY8"/>
+              </a:cxn>
+              <a:cxn ang="0">
+                <a:pos x="connsiteX9" y="connsiteY9"/>
+              </a:cxn>
+              <a:cxn ang="0">
+                <a:pos x="connsiteX10" y="connsiteY10"/>
+              </a:cxn>
+              <a:cxn ang="0">
+                <a:pos x="connsiteX11" y="connsiteY11"/>
+              </a:cxn>
+              <a:cxn ang="0">
+                <a:pos x="connsiteX12" y="connsiteY12"/>
+              </a:cxn>
+              <a:cxn ang="0">
+                <a:pos x="connsiteX13" y="connsiteY13"/>
+              </a:cxn>
+              <a:cxn ang="0">
+                <a:pos x="connsiteX14" y="connsiteY14"/>
+              </a:cxn>
+              <a:cxn ang="0">
+                <a:pos x="connsiteX15" y="connsiteY15"/>
+              </a:cxn>
+              <a:cxn ang="0">
+                <a:pos x="connsiteX16" y="connsiteY16"/>
+              </a:cxn>
+            </a:cxnLst>
+            <a:rect l="l" t="t" r="r" b="b"/>
+            <a:pathLst>
+              <a:path w="151536" h="151536">
+                <a:moveTo>
+                  <a:pt x="141251" y="65483"/>
+                </a:moveTo>
+                <a:lnTo>
+                  <a:pt x="86053" y="65483"/>
+                </a:lnTo>
+                <a:lnTo>
+                  <a:pt x="86053" y="10285"/>
+                </a:lnTo>
+                <a:cubicBezTo>
+                  <a:pt x="86053" y="4605"/>
+                  <a:pt x="81448" y="0"/>
+                  <a:pt x="75768" y="0"/>
+                </a:cubicBezTo>
+                <a:cubicBezTo>
+                  <a:pt x="70088" y="0"/>
+                  <a:pt x="65483" y="4605"/>
+                  <a:pt x="65483" y="10285"/>
+                </a:cubicBezTo>
+                <a:lnTo>
+                  <a:pt x="65483" y="65483"/>
+                </a:lnTo>
+                <a:lnTo>
+                  <a:pt x="10285" y="65483"/>
+                </a:lnTo>
+                <a:cubicBezTo>
+                  <a:pt x="4605" y="65483"/>
+                  <a:pt x="0" y="70088"/>
+                  <a:pt x="0" y="75768"/>
+                </a:cubicBezTo>
+                <a:cubicBezTo>
+                  <a:pt x="0" y="81448"/>
+                  <a:pt x="4605" y="86053"/>
+                  <a:pt x="10285" y="86053"/>
+                </a:cubicBezTo>
+                <a:lnTo>
+                  <a:pt x="65483" y="86053"/>
+                </a:lnTo>
+                <a:lnTo>
+                  <a:pt x="65483" y="141251"/>
+                </a:lnTo>
+                <a:cubicBezTo>
+                  <a:pt x="65483" y="146931"/>
+                  <a:pt x="70088" y="151536"/>
+                  <a:pt x="75768" y="151536"/>
+                </a:cubicBezTo>
+                <a:cubicBezTo>
+                  <a:pt x="81448" y="151536"/>
+                  <a:pt x="86053" y="146931"/>
+                  <a:pt x="86053" y="141251"/>
+                </a:cubicBezTo>
+                <a:lnTo>
+                  <a:pt x="86053" y="86053"/>
+                </a:lnTo>
+                <a:lnTo>
+                  <a:pt x="141251" y="86053"/>
+                </a:lnTo>
+                <a:cubicBezTo>
+                  <a:pt x="146931" y="86053"/>
+                  <a:pt x="151536" y="81448"/>
+                  <a:pt x="151536" y="75768"/>
+                </a:cubicBezTo>
+                <a:cubicBezTo>
+                  <a:pt x="151536" y="70088"/>
+                  <a:pt x="146931" y="65483"/>
+                  <a:pt x="141251" y="65483"/>
+                </a:cubicBezTo>
+                <a:close/>
+              </a:path>
+            </a:pathLst>
+          </a:custGeom>
+          <a:solidFill>
+            <a:srgbClr val="FFFFFF"/>
+          </a:solidFill>
+          <a:ln w="646" cap="flat">
+            <a:noFill/>
+            <a:prstDash val="solid"/>
+            <a:miter/>
+          </a:ln>
+        </p:spPr>
+        <p:txBody>
+          <a:bodyPr rtlCol="0" anchor="ctr"/>
+          <a:lstStyle/>
+          <a:p>
+            <a:endParaRPr lang="en-US">
+              <a:solidFill>
+                <a:srgbClr val="FFFFFF"/>
+              </a:solidFill>
+            </a:endParaRPr>
+          </a:p>
+        </p:txBody>
+      </p:sp>
+      <p:sp>
+        <p:nvSpPr>
+          <p:cNvPr id="20" name="Graphic 23">
+            <a:extLst>
+              <a:ext uri="{FF2B5EF4-FFF2-40B4-BE49-F238E27FC236}">
+                <a16:creationId xmlns:a16="http://schemas.microsoft.com/office/drawing/2014/main" id="{33EE86DA-E921-A11D-DB01-5A4F6E29B147}"/>
+              </a:ext>
+              <a:ext uri="{C183D7F6-B498-43B3-948B-1728B52AA6E4}">
+                <adec:decorative xmlns:adec="http://schemas.microsoft.com/office/drawing/2017/decorative" val="1"/>
+              </a:ext>
+            </a:extLst>
+          </p:cNvPr>
+          <p:cNvSpPr>
+            <a:spLocks noGrp="1" noRot="1" noChangeAspect="1" noMove="1" noResize="1" noEditPoints="1" noAdjustHandles="1" noChangeArrowheads="1" noChangeShapeType="1" noTextEdit="1"/>
+          </p:cNvSpPr>
+          <p:nvPr>
+            <p:extLst>
+              <p:ext uri="{386F3935-93C4-4BCD-93E2-E3B085C9AB24}">
+                <p16:designElem xmlns:p16="http://schemas.microsoft.com/office/powerpoint/2015/main" val="1"/>
+              </p:ext>
+            </p:extLst>
+          </p:nvPr>
+        </p:nvSpPr>
+        <p:spPr>
+          <a:xfrm>
+            <a:off x="11245175" y="6096759"/>
+            <a:ext cx="108625" cy="108625"/>
+          </a:xfrm>
+          <a:custGeom>
+            <a:avLst/>
+            <a:gdLst>
+              <a:gd name="connsiteX0" fmla="*/ 54313 w 108625"/>
+              <a:gd name="connsiteY0" fmla="*/ 16053 h 108625"/>
+              <a:gd name="connsiteX1" fmla="*/ 92572 w 108625"/>
+              <a:gd name="connsiteY1" fmla="*/ 54313 h 108625"/>
+              <a:gd name="connsiteX2" fmla="*/ 54313 w 108625"/>
+              <a:gd name="connsiteY2" fmla="*/ 92572 h 108625"/>
+              <a:gd name="connsiteX3" fmla="*/ 16053 w 108625"/>
+              <a:gd name="connsiteY3" fmla="*/ 54313 h 108625"/>
+              <a:gd name="connsiteX4" fmla="*/ 54313 w 108625"/>
+              <a:gd name="connsiteY4" fmla="*/ 16053 h 108625"/>
+              <a:gd name="connsiteX5" fmla="*/ 54313 w 108625"/>
+              <a:gd name="connsiteY5" fmla="*/ 0 h 108625"/>
+              <a:gd name="connsiteX6" fmla="*/ 0 w 108625"/>
+              <a:gd name="connsiteY6" fmla="*/ 54313 h 108625"/>
+              <a:gd name="connsiteX7" fmla="*/ 54313 w 108625"/>
+              <a:gd name="connsiteY7" fmla="*/ 108625 h 108625"/>
+              <a:gd name="connsiteX8" fmla="*/ 108625 w 108625"/>
+              <a:gd name="connsiteY8" fmla="*/ 54313 h 108625"/>
+              <a:gd name="connsiteX9" fmla="*/ 54313 w 108625"/>
+              <a:gd name="connsiteY9" fmla="*/ 0 h 108625"/>
+            </a:gdLst>
+            <a:ahLst/>
+            <a:cxnLst>
+              <a:cxn ang="0">
+                <a:pos x="connsiteX0" y="connsiteY0"/>
+              </a:cxn>
+              <a:cxn ang="0">
+                <a:pos x="connsiteX1" y="connsiteY1"/>
+              </a:cxn>
+              <a:cxn ang="0">
+                <a:pos x="connsiteX2" y="connsiteY2"/>
+              </a:cxn>
+              <a:cxn ang="0">
+                <a:pos x="connsiteX3" y="connsiteY3"/>
+              </a:cxn>
+              <a:cxn ang="0">
+                <a:pos x="connsiteX4" y="connsiteY4"/>
+              </a:cxn>
+              <a:cxn ang="0">
+                <a:pos x="connsiteX5" y="connsiteY5"/>
+              </a:cxn>
+              <a:cxn ang="0">
+                <a:pos x="connsiteX6" y="connsiteY6"/>
+              </a:cxn>
+              <a:cxn ang="0">
+                <a:pos x="connsiteX7" y="connsiteY7"/>
+              </a:cxn>
+              <a:cxn ang="0">
+                <a:pos x="connsiteX8" y="connsiteY8"/>
+              </a:cxn>
+              <a:cxn ang="0">
+                <a:pos x="connsiteX9" y="connsiteY9"/>
+              </a:cxn>
+            </a:cxnLst>
+            <a:rect l="l" t="t" r="r" b="b"/>
+            <a:pathLst>
+              <a:path w="108625" h="108625">
+                <a:moveTo>
+                  <a:pt x="54313" y="16053"/>
+                </a:moveTo>
+                <a:cubicBezTo>
+                  <a:pt x="75442" y="16053"/>
+                  <a:pt x="92572" y="33182"/>
+                  <a:pt x="92572" y="54313"/>
+                </a:cubicBezTo>
+                <a:cubicBezTo>
+                  <a:pt x="92572" y="75442"/>
+                  <a:pt x="75442" y="92572"/>
+                  <a:pt x="54313" y="92572"/>
+                </a:cubicBezTo>
+                <a:cubicBezTo>
+                  <a:pt x="33182" y="92572"/>
+                  <a:pt x="16053" y="75442"/>
+                  <a:pt x="16053" y="54313"/>
+                </a:cubicBezTo>
+                <a:cubicBezTo>
+                  <a:pt x="16074" y="33191"/>
+                  <a:pt x="33191" y="16074"/>
+                  <a:pt x="54313" y="16053"/>
+                </a:cubicBezTo>
+                <a:moveTo>
+                  <a:pt x="54313" y="0"/>
+                </a:moveTo>
+                <a:cubicBezTo>
+                  <a:pt x="24317" y="0"/>
+                  <a:pt x="0" y="24317"/>
+                  <a:pt x="0" y="54313"/>
+                </a:cubicBezTo>
+                <a:cubicBezTo>
+                  <a:pt x="0" y="84309"/>
+                  <a:pt x="24317" y="108625"/>
+                  <a:pt x="54313" y="108625"/>
+                </a:cubicBezTo>
+                <a:cubicBezTo>
+                  <a:pt x="84309" y="108625"/>
+                  <a:pt x="108625" y="84309"/>
+                  <a:pt x="108625" y="54313"/>
+                </a:cubicBezTo>
+                <a:cubicBezTo>
+                  <a:pt x="108625" y="24317"/>
+                  <a:pt x="84309" y="0"/>
+                  <a:pt x="54313" y="0"/>
+                </a:cubicBezTo>
+                <a:close/>
+              </a:path>
+            </a:pathLst>
+          </a:custGeom>
+          <a:solidFill>
+            <a:srgbClr val="FFFFFF"/>
+          </a:solidFill>
+          <a:ln w="516" cap="flat">
+            <a:noFill/>
+            <a:prstDash val="solid"/>
+            <a:miter/>
+          </a:ln>
+        </p:spPr>
+        <p:txBody>
+          <a:bodyPr rtlCol="0" anchor="ctr"/>
+          <a:lstStyle/>
+          <a:p>
+            <a:endParaRPr lang="en-US">
+              <a:solidFill>
+                <a:srgbClr val="FFFFFF"/>
+              </a:solidFill>
+            </a:endParaRPr>
+          </a:p>
+        </p:txBody>
+      </p:sp>
+      <p:sp>
+        <p:nvSpPr>
+          <p:cNvPr id="22" name="Graphic 21">
+            <a:extLst>
+              <a:ext uri="{FF2B5EF4-FFF2-40B4-BE49-F238E27FC236}">
+                <a16:creationId xmlns:a16="http://schemas.microsoft.com/office/drawing/2014/main" id="{E69FC464-8DCB-202C-61C6-B021695C5FB3}"/>
+              </a:ext>
+              <a:ext uri="{C183D7F6-B498-43B3-948B-1728B52AA6E4}">
+                <adec:decorative xmlns:adec="http://schemas.microsoft.com/office/drawing/2017/decorative" val="1"/>
+              </a:ext>
+            </a:extLst>
+          </p:cNvPr>
+          <p:cNvSpPr>
+            <a:spLocks noGrp="1" noRot="1" noChangeAspect="1" noMove="1" noResize="1" noEditPoints="1" noAdjustHandles="1" noChangeArrowheads="1" noChangeShapeType="1" noTextEdit="1"/>
+          </p:cNvSpPr>
+          <p:nvPr>
+            <p:extLst>
+              <p:ext uri="{386F3935-93C4-4BCD-93E2-E3B085C9AB24}">
+                <p16:designElem xmlns:p16="http://schemas.microsoft.com/office/powerpoint/2015/main" val="1"/>
+              </p:ext>
+            </p:extLst>
+          </p:nvPr>
+        </p:nvSpPr>
+        <p:spPr>
+          <a:xfrm>
+            <a:off x="10554288" y="6238029"/>
+            <a:ext cx="95759" cy="95759"/>
+          </a:xfrm>
+          <a:custGeom>
+            <a:avLst/>
+            <a:gdLst>
+              <a:gd name="connsiteX0" fmla="*/ 95759 w 95759"/>
+              <a:gd name="connsiteY0" fmla="*/ 47880 h 95759"/>
+              <a:gd name="connsiteX1" fmla="*/ 47880 w 95759"/>
+              <a:gd name="connsiteY1" fmla="*/ 95759 h 95759"/>
+              <a:gd name="connsiteX2" fmla="*/ 0 w 95759"/>
+              <a:gd name="connsiteY2" fmla="*/ 47880 h 95759"/>
+              <a:gd name="connsiteX3" fmla="*/ 47880 w 95759"/>
+              <a:gd name="connsiteY3" fmla="*/ 0 h 95759"/>
+              <a:gd name="connsiteX4" fmla="*/ 95759 w 95759"/>
+              <a:gd name="connsiteY4" fmla="*/ 47880 h 95759"/>
+            </a:gdLst>
+            <a:ahLst/>
+            <a:cxnLst>
+              <a:cxn ang="0">
+                <a:pos x="connsiteX0" y="connsiteY0"/>
+              </a:cxn>
+              <a:cxn ang="0">
+                <a:pos x="connsiteX1" y="connsiteY1"/>
+              </a:cxn>
+              <a:cxn ang="0">
+                <a:pos x="connsiteX2" y="connsiteY2"/>
+              </a:cxn>
+              <a:cxn ang="0">
+                <a:pos x="connsiteX3" y="connsiteY3"/>
+              </a:cxn>
+              <a:cxn ang="0">
+                <a:pos x="connsiteX4" y="connsiteY4"/>
+              </a:cxn>
+            </a:cxnLst>
+            <a:rect l="l" t="t" r="r" b="b"/>
+            <a:pathLst>
+              <a:path w="95759" h="95759">
+                <a:moveTo>
+                  <a:pt x="95759" y="47880"/>
+                </a:moveTo>
+                <a:cubicBezTo>
+                  <a:pt x="95759" y="74323"/>
+                  <a:pt x="74323" y="95759"/>
+                  <a:pt x="47880" y="95759"/>
+                </a:cubicBezTo>
+                <a:cubicBezTo>
+                  <a:pt x="21436" y="95759"/>
+                  <a:pt x="0" y="74323"/>
+                  <a:pt x="0" y="47880"/>
+                </a:cubicBezTo>
+                <a:cubicBezTo>
+                  <a:pt x="0" y="21436"/>
+                  <a:pt x="21436" y="0"/>
+                  <a:pt x="47880" y="0"/>
+                </a:cubicBezTo>
+                <a:cubicBezTo>
+                  <a:pt x="74323" y="0"/>
+                  <a:pt x="95759" y="21436"/>
+                  <a:pt x="95759" y="47880"/>
+                </a:cubicBezTo>
+                <a:close/>
+              </a:path>
+            </a:pathLst>
+          </a:custGeom>
+          <a:solidFill>
+            <a:srgbClr val="FFFFFF"/>
+          </a:solidFill>
+          <a:ln w="469" cap="flat">
+            <a:noFill/>
+            <a:prstDash val="solid"/>
+            <a:miter/>
+          </a:ln>
+        </p:spPr>
+        <p:txBody>
+          <a:bodyPr rtlCol="0" anchor="ctr"/>
+          <a:lstStyle/>
+          <a:p>
+            <a:endParaRPr lang="en-US">
+              <a:solidFill>
+                <a:srgbClr val="FFFFFF"/>
+              </a:solidFill>
+            </a:endParaRPr>
+          </a:p>
+        </p:txBody>
+      </p:sp>
+      <p:sp>
+        <p:nvSpPr>
+          <p:cNvPr id="2" name="Título 1">
+            <a:extLst>
+              <a:ext uri="{FF2B5EF4-FFF2-40B4-BE49-F238E27FC236}">
+                <a16:creationId xmlns:a16="http://schemas.microsoft.com/office/drawing/2014/main" id="{FDECCE5A-96BE-003F-F14F-B2ED3AB91A94}"/>
+              </a:ext>
+            </a:extLst>
+          </p:cNvPr>
+          <p:cNvSpPr>
+            <a:spLocks noGrp="1"/>
+          </p:cNvSpPr>
+          <p:nvPr>
+            <p:ph type="title"/>
+          </p:nvPr>
+        </p:nvSpPr>
+        <p:spPr>
+          <a:xfrm>
+            <a:off x="3880430" y="583345"/>
+            <a:ext cx="7160357" cy="4164820"/>
+          </a:xfrm>
+        </p:spPr>
+        <p:txBody>
+          <a:bodyPr vert="horz" lIns="91440" tIns="45720" rIns="91440" bIns="45720" rtlCol="0" anchor="t">
+            <a:normAutofit/>
+          </a:bodyPr>
+          <a:lstStyle/>
+          <a:p>
+            <a:pPr algn="r"/>
+            <a:r>
+              <a:rPr lang="en-US" sz="4000" b="0" i="0" dirty="0">
+                <a:solidFill>
+                  <a:srgbClr val="000000"/>
+                </a:solidFill>
+                <a:effectLst/>
+                <a:latin typeface="Verdana" panose="020B0604030504040204" pitchFamily="34" charset="0"/>
+              </a:rPr>
+              <a:t>TypeScript Inheritance: Abstract Classes.</a:t>
+            </a:r>
+            <a:endParaRPr lang="en-US" sz="8000" kern="1200" dirty="0">
+              <a:solidFill>
+                <a:srgbClr val="FFFFFF"/>
+              </a:solidFill>
+              <a:latin typeface="+mj-lt"/>
+              <a:ea typeface="+mj-ea"/>
+              <a:cs typeface="+mj-cs"/>
+            </a:endParaRPr>
+          </a:p>
+        </p:txBody>
+      </p:sp>
+      <p:pic>
+        <p:nvPicPr>
+          <p:cNvPr id="4" name="Imagem 3">
+            <a:extLst>
+              <a:ext uri="{FF2B5EF4-FFF2-40B4-BE49-F238E27FC236}">
+                <a16:creationId xmlns:a16="http://schemas.microsoft.com/office/drawing/2014/main" id="{1E1CD201-4B99-AEA9-5403-F5660C86F0DF}"/>
+              </a:ext>
+            </a:extLst>
+          </p:cNvPr>
+          <p:cNvPicPr>
+            <a:picLocks noChangeAspect="1"/>
+          </p:cNvPicPr>
+          <p:nvPr/>
+        </p:nvPicPr>
+        <p:blipFill>
+          <a:blip r:embed="rId2"/>
+          <a:stretch>
+            <a:fillRect/>
+          </a:stretch>
+        </p:blipFill>
+        <p:spPr>
+          <a:xfrm>
+            <a:off x="425823" y="1701122"/>
+            <a:ext cx="11116235" cy="5048588"/>
+          </a:xfrm>
+          <a:prstGeom prst="rect">
+            <a:avLst/>
+          </a:prstGeom>
+        </p:spPr>
+      </p:pic>
+    </p:spTree>
+    <p:extLst>
+      <p:ext uri="{BB962C8B-B14F-4D97-AF65-F5344CB8AC3E}">
+        <p14:creationId xmlns:p14="http://schemas.microsoft.com/office/powerpoint/2010/main" val="3842154382"/>
+      </p:ext>
+    </p:extLst>
+  </p:cSld>
+  <p:clrMapOvr>
+    <a:masterClrMapping/>
+  </p:clrMapOvr>
+</p:sld>
+</file>
+
+<file path=ppt/slides/slide2.xml><?xml version="1.0" encoding="utf-8"?>
+<p:sld xmlns:a="http://schemas.openxmlformats.org/drawingml/2006/main" xmlns:r="http://schemas.openxmlformats.org/officeDocument/2006/relationships" xmlns:p="http://schemas.openxmlformats.org/presentationml/2006/main">
+  <p:cSld>
+    <p:bg>
+      <p:bgPr>
+        <a:solidFill>
+          <a:schemeClr val="bg1"/>
+        </a:solidFill>
+        <a:effectLst/>
+      </p:bgPr>
+    </p:bg>
+    <p:spTree>
+      <p:nvGrpSpPr>
+        <p:cNvPr id="1" name=""/>
+        <p:cNvGrpSpPr/>
+        <p:nvPr/>
+      </p:nvGrpSpPr>
+      <p:grpSpPr>
+        <a:xfrm>
+          <a:off x="0" y="0"/>
+          <a:ext cx="0" cy="0"/>
+          <a:chOff x="0" y="0"/>
+          <a:chExt cx="0" cy="0"/>
+        </a:xfrm>
+      </p:grpSpPr>
+      <p:sp>
+        <p:nvSpPr>
+          <p:cNvPr id="8" name="Rectangle 7">
+            <a:extLst>
+              <a:ext uri="{FF2B5EF4-FFF2-40B4-BE49-F238E27FC236}">
+                <a16:creationId xmlns:a16="http://schemas.microsoft.com/office/drawing/2014/main" id="{1A3C89F8-0D2F-47FF-B903-151248265F47}"/>
+              </a:ext>
+              <a:ext uri="{C183D7F6-B498-43B3-948B-1728B52AA6E4}">
+                <adec:decorative xmlns:adec="http://schemas.microsoft.com/office/drawing/2017/decorative" val="1"/>
+              </a:ext>
+            </a:extLst>
+          </p:cNvPr>
+          <p:cNvSpPr>
+            <a:spLocks noGrp="1" noRot="1" noChangeAspect="1" noMove="1" noResize="1" noEditPoints="1" noAdjustHandles="1" noChangeArrowheads="1" noChangeShapeType="1" noTextEdit="1"/>
+          </p:cNvSpPr>
+          <p:nvPr>
+            <p:extLst>
+              <p:ext uri="{386F3935-93C4-4BCD-93E2-E3B085C9AB24}">
+                <p16:designElem xmlns:p16="http://schemas.microsoft.com/office/powerpoint/2015/main" val="1"/>
+              </p:ext>
+            </p:extLst>
+          </p:nvPr>
+        </p:nvSpPr>
+        <p:spPr>
+          <a:xfrm>
+            <a:off x="0" y="0"/>
+            <a:ext cx="12192000" cy="6858000"/>
+          </a:xfrm>
+          <a:prstGeom prst="rect">
+            <a:avLst/>
+          </a:prstGeom>
+          <a:gradFill flip="none" rotWithShape="1">
+            <a:gsLst>
+              <a:gs pos="0">
+                <a:schemeClr val="accent1"/>
+              </a:gs>
+              <a:gs pos="100000">
+                <a:schemeClr val="accent2"/>
+              </a:gs>
+            </a:gsLst>
+            <a:lin ang="8100000" scaled="0"/>
+            <a:tileRect/>
+          </a:gradFill>
+          <a:ln>
+            <a:noFill/>
+          </a:ln>
+        </p:spPr>
+        <p:style>
+          <a:lnRef idx="2">
+            <a:schemeClr val="accent1">
+              <a:shade val="50000"/>
+            </a:schemeClr>
+          </a:lnRef>
+          <a:fillRef idx="1">
+            <a:schemeClr val="accent1"/>
+          </a:fillRef>
+          <a:effectRef idx="0">
+            <a:schemeClr val="accent1"/>
+          </a:effectRef>
+          <a:fontRef idx="minor">
+            <a:schemeClr val="lt1"/>
+          </a:fontRef>
+        </p:style>
+        <p:txBody>
+          <a:bodyPr rtlCol="0" anchor="ctr"/>
+          <a:lstStyle/>
+          <a:p>
+            <a:pPr algn="ctr"/>
+            <a:endParaRPr lang="en-US">
+              <a:solidFill>
+                <a:srgbClr val="FFFFFF"/>
+              </a:solidFill>
+            </a:endParaRPr>
+          </a:p>
+        </p:txBody>
+      </p:sp>
+      <p:sp>
+        <p:nvSpPr>
+          <p:cNvPr id="10" name="Graphic 13">
+            <a:extLst>
+              <a:ext uri="{FF2B5EF4-FFF2-40B4-BE49-F238E27FC236}">
+                <a16:creationId xmlns:a16="http://schemas.microsoft.com/office/drawing/2014/main" id="{C5CB530E-515E-412C-9DF1-5F8FFBD6F383}"/>
+              </a:ext>
+              <a:ext uri="{C183D7F6-B498-43B3-948B-1728B52AA6E4}">
+                <adec:decorative xmlns:adec="http://schemas.microsoft.com/office/drawing/2017/decorative" val="1"/>
+              </a:ext>
+            </a:extLst>
+          </p:cNvPr>
+          <p:cNvSpPr>
+            <a:spLocks noGrp="1" noRot="1" noChangeAspect="1" noMove="1" noResize="1" noEditPoints="1" noAdjustHandles="1" noChangeArrowheads="1" noChangeShapeType="1" noTextEdit="1"/>
+          </p:cNvSpPr>
+          <p:nvPr>
+            <p:extLst>
+              <p:ext uri="{386F3935-93C4-4BCD-93E2-E3B085C9AB24}">
+                <p16:designElem xmlns:p16="http://schemas.microsoft.com/office/powerpoint/2015/main" val="1"/>
+              </p:ext>
+            </p:extLst>
+          </p:nvPr>
+        </p:nvSpPr>
+        <p:spPr>
+          <a:xfrm>
+            <a:off x="3474359" y="583345"/>
+            <a:ext cx="139039" cy="139039"/>
+          </a:xfrm>
+          <a:custGeom>
+            <a:avLst/>
+            <a:gdLst>
+              <a:gd name="connsiteX0" fmla="*/ 129602 w 139039"/>
+              <a:gd name="connsiteY0" fmla="*/ 60082 h 139039"/>
+              <a:gd name="connsiteX1" fmla="*/ 78957 w 139039"/>
+              <a:gd name="connsiteY1" fmla="*/ 60082 h 139039"/>
+              <a:gd name="connsiteX2" fmla="*/ 78957 w 139039"/>
+              <a:gd name="connsiteY2" fmla="*/ 9437 h 139039"/>
+              <a:gd name="connsiteX3" fmla="*/ 69520 w 139039"/>
+              <a:gd name="connsiteY3" fmla="*/ 0 h 139039"/>
+              <a:gd name="connsiteX4" fmla="*/ 60082 w 139039"/>
+              <a:gd name="connsiteY4" fmla="*/ 9437 h 139039"/>
+              <a:gd name="connsiteX5" fmla="*/ 60082 w 139039"/>
+              <a:gd name="connsiteY5" fmla="*/ 60082 h 139039"/>
+              <a:gd name="connsiteX6" fmla="*/ 9437 w 139039"/>
+              <a:gd name="connsiteY6" fmla="*/ 60082 h 139039"/>
+              <a:gd name="connsiteX7" fmla="*/ 0 w 139039"/>
+              <a:gd name="connsiteY7" fmla="*/ 69520 h 139039"/>
+              <a:gd name="connsiteX8" fmla="*/ 9437 w 139039"/>
+              <a:gd name="connsiteY8" fmla="*/ 78957 h 139039"/>
+              <a:gd name="connsiteX9" fmla="*/ 60082 w 139039"/>
+              <a:gd name="connsiteY9" fmla="*/ 78957 h 139039"/>
+              <a:gd name="connsiteX10" fmla="*/ 60082 w 139039"/>
+              <a:gd name="connsiteY10" fmla="*/ 129602 h 139039"/>
+              <a:gd name="connsiteX11" fmla="*/ 69520 w 139039"/>
+              <a:gd name="connsiteY11" fmla="*/ 139039 h 139039"/>
+              <a:gd name="connsiteX12" fmla="*/ 78957 w 139039"/>
+              <a:gd name="connsiteY12" fmla="*/ 129602 h 139039"/>
+              <a:gd name="connsiteX13" fmla="*/ 78957 w 139039"/>
+              <a:gd name="connsiteY13" fmla="*/ 78957 h 139039"/>
+              <a:gd name="connsiteX14" fmla="*/ 129602 w 139039"/>
+              <a:gd name="connsiteY14" fmla="*/ 78957 h 139039"/>
+              <a:gd name="connsiteX15" fmla="*/ 139039 w 139039"/>
+              <a:gd name="connsiteY15" fmla="*/ 69520 h 139039"/>
+              <a:gd name="connsiteX16" fmla="*/ 129602 w 139039"/>
+              <a:gd name="connsiteY16" fmla="*/ 60082 h 139039"/>
+            </a:gdLst>
+            <a:ahLst/>
+            <a:cxnLst>
+              <a:cxn ang="0">
+                <a:pos x="connsiteX0" y="connsiteY0"/>
+              </a:cxn>
+              <a:cxn ang="0">
+                <a:pos x="connsiteX1" y="connsiteY1"/>
+              </a:cxn>
+              <a:cxn ang="0">
+                <a:pos x="connsiteX2" y="connsiteY2"/>
+              </a:cxn>
+              <a:cxn ang="0">
+                <a:pos x="connsiteX3" y="connsiteY3"/>
+              </a:cxn>
+              <a:cxn ang="0">
+                <a:pos x="connsiteX4" y="connsiteY4"/>
+              </a:cxn>
+              <a:cxn ang="0">
+                <a:pos x="connsiteX5" y="connsiteY5"/>
+              </a:cxn>
+              <a:cxn ang="0">
+                <a:pos x="connsiteX6" y="connsiteY6"/>
+              </a:cxn>
+              <a:cxn ang="0">
+                <a:pos x="connsiteX7" y="connsiteY7"/>
+              </a:cxn>
+              <a:cxn ang="0">
+                <a:pos x="connsiteX8" y="connsiteY8"/>
+              </a:cxn>
+              <a:cxn ang="0">
+                <a:pos x="connsiteX9" y="connsiteY9"/>
+              </a:cxn>
+              <a:cxn ang="0">
+                <a:pos x="connsiteX10" y="connsiteY10"/>
+              </a:cxn>
+              <a:cxn ang="0">
+                <a:pos x="connsiteX11" y="connsiteY11"/>
+              </a:cxn>
+              <a:cxn ang="0">
+                <a:pos x="connsiteX12" y="connsiteY12"/>
+              </a:cxn>
+              <a:cxn ang="0">
+                <a:pos x="connsiteX13" y="connsiteY13"/>
+              </a:cxn>
+              <a:cxn ang="0">
+                <a:pos x="connsiteX14" y="connsiteY14"/>
+              </a:cxn>
+              <a:cxn ang="0">
+                <a:pos x="connsiteX15" y="connsiteY15"/>
+              </a:cxn>
+              <a:cxn ang="0">
+                <a:pos x="connsiteX16" y="connsiteY16"/>
+              </a:cxn>
+            </a:cxnLst>
+            <a:rect l="l" t="t" r="r" b="b"/>
+            <a:pathLst>
+              <a:path w="139039" h="139039">
+                <a:moveTo>
+                  <a:pt x="129602" y="60082"/>
+                </a:moveTo>
+                <a:lnTo>
+                  <a:pt x="78957" y="60082"/>
+                </a:lnTo>
+                <a:lnTo>
+                  <a:pt x="78957" y="9437"/>
+                </a:lnTo>
+                <a:cubicBezTo>
+                  <a:pt x="78957" y="4225"/>
+                  <a:pt x="74731" y="0"/>
+                  <a:pt x="69520" y="0"/>
+                </a:cubicBezTo>
+                <a:cubicBezTo>
+                  <a:pt x="64308" y="0"/>
+                  <a:pt x="60082" y="4225"/>
+                  <a:pt x="60082" y="9437"/>
+                </a:cubicBezTo>
+                <a:lnTo>
+                  <a:pt x="60082" y="60082"/>
+                </a:lnTo>
+                <a:lnTo>
+                  <a:pt x="9437" y="60082"/>
+                </a:lnTo>
+                <a:cubicBezTo>
+                  <a:pt x="4225" y="60082"/>
+                  <a:pt x="0" y="64308"/>
+                  <a:pt x="0" y="69520"/>
+                </a:cubicBezTo>
+                <a:cubicBezTo>
+                  <a:pt x="0" y="74731"/>
+                  <a:pt x="4225" y="78957"/>
+                  <a:pt x="9437" y="78957"/>
+                </a:cubicBezTo>
+                <a:lnTo>
+                  <a:pt x="60082" y="78957"/>
+                </a:lnTo>
+                <a:lnTo>
+                  <a:pt x="60082" y="129602"/>
+                </a:lnTo>
+                <a:cubicBezTo>
+                  <a:pt x="60082" y="134814"/>
+                  <a:pt x="64308" y="139039"/>
+                  <a:pt x="69520" y="139039"/>
+                </a:cubicBezTo>
+                <a:cubicBezTo>
+                  <a:pt x="74731" y="139039"/>
+                  <a:pt x="78957" y="134814"/>
+                  <a:pt x="78957" y="129602"/>
+                </a:cubicBezTo>
+                <a:lnTo>
+                  <a:pt x="78957" y="78957"/>
+                </a:lnTo>
+                <a:lnTo>
+                  <a:pt x="129602" y="78957"/>
+                </a:lnTo>
+                <a:cubicBezTo>
+                  <a:pt x="134814" y="78957"/>
+                  <a:pt x="139039" y="74731"/>
+                  <a:pt x="139039" y="69520"/>
+                </a:cubicBezTo>
+                <a:cubicBezTo>
+                  <a:pt x="139039" y="64308"/>
+                  <a:pt x="134814" y="60082"/>
+                  <a:pt x="129602" y="60082"/>
+                </a:cubicBezTo>
+                <a:close/>
+              </a:path>
+            </a:pathLst>
+          </a:custGeom>
+          <a:solidFill>
+            <a:srgbClr val="FFFFFF"/>
+          </a:solidFill>
+          <a:ln w="603" cap="flat">
+            <a:noFill/>
+            <a:prstDash val="solid"/>
+            <a:miter/>
+          </a:ln>
+        </p:spPr>
+        <p:txBody>
+          <a:bodyPr rtlCol="0" anchor="ctr"/>
+          <a:lstStyle/>
+          <a:p>
+            <a:endParaRPr lang="en-US">
+              <a:solidFill>
+                <a:srgbClr val="FFFFFF"/>
+              </a:solidFill>
+            </a:endParaRPr>
+          </a:p>
+        </p:txBody>
+      </p:sp>
+      <p:sp>
+        <p:nvSpPr>
+          <p:cNvPr id="12" name="Graphic 12">
+            <a:extLst>
+              <a:ext uri="{FF2B5EF4-FFF2-40B4-BE49-F238E27FC236}">
+                <a16:creationId xmlns:a16="http://schemas.microsoft.com/office/drawing/2014/main" id="{712D4376-A578-4FF1-94FC-245E7A6A489F}"/>
+              </a:ext>
+              <a:ext uri="{C183D7F6-B498-43B3-948B-1728B52AA6E4}">
+                <adec:decorative xmlns:adec="http://schemas.microsoft.com/office/drawing/2017/decorative" val="1"/>
+              </a:ext>
+            </a:extLst>
+          </p:cNvPr>
+          <p:cNvSpPr>
+            <a:spLocks noGrp="1" noRot="1" noChangeAspect="1" noMove="1" noResize="1" noEditPoints="1" noAdjustHandles="1" noChangeArrowheads="1" noChangeShapeType="1" noTextEdit="1"/>
+          </p:cNvSpPr>
+          <p:nvPr>
+            <p:extLst>
+              <p:ext uri="{386F3935-93C4-4BCD-93E2-E3B085C9AB24}">
+                <p16:designElem xmlns:p16="http://schemas.microsoft.com/office/powerpoint/2015/main" val="1"/>
+              </p:ext>
+            </p:extLst>
+          </p:nvPr>
+        </p:nvSpPr>
+        <p:spPr>
+          <a:xfrm>
+            <a:off x="3833139" y="812640"/>
+            <a:ext cx="91138" cy="91138"/>
+          </a:xfrm>
+          <a:custGeom>
+            <a:avLst/>
+            <a:gdLst>
+              <a:gd name="connsiteX0" fmla="*/ 91138 w 91138"/>
+              <a:gd name="connsiteY0" fmla="*/ 45569 h 91138"/>
+              <a:gd name="connsiteX1" fmla="*/ 45569 w 91138"/>
+              <a:gd name="connsiteY1" fmla="*/ 91138 h 91138"/>
+              <a:gd name="connsiteX2" fmla="*/ 0 w 91138"/>
+              <a:gd name="connsiteY2" fmla="*/ 45569 h 91138"/>
+              <a:gd name="connsiteX3" fmla="*/ 45569 w 91138"/>
+              <a:gd name="connsiteY3" fmla="*/ 0 h 91138"/>
+              <a:gd name="connsiteX4" fmla="*/ 91138 w 91138"/>
+              <a:gd name="connsiteY4" fmla="*/ 45569 h 91138"/>
+            </a:gdLst>
+            <a:ahLst/>
+            <a:cxnLst>
+              <a:cxn ang="0">
+                <a:pos x="connsiteX0" y="connsiteY0"/>
+              </a:cxn>
+              <a:cxn ang="0">
+                <a:pos x="connsiteX1" y="connsiteY1"/>
+              </a:cxn>
+              <a:cxn ang="0">
+                <a:pos x="connsiteX2" y="connsiteY2"/>
+              </a:cxn>
+              <a:cxn ang="0">
+                <a:pos x="connsiteX3" y="connsiteY3"/>
+              </a:cxn>
+              <a:cxn ang="0">
+                <a:pos x="connsiteX4" y="connsiteY4"/>
+              </a:cxn>
+            </a:cxnLst>
+            <a:rect l="l" t="t" r="r" b="b"/>
+            <a:pathLst>
+              <a:path w="91138" h="91138">
+                <a:moveTo>
+                  <a:pt x="91138" y="45569"/>
+                </a:moveTo>
+                <a:cubicBezTo>
+                  <a:pt x="91138" y="70736"/>
+                  <a:pt x="70736" y="91138"/>
+                  <a:pt x="45569" y="91138"/>
+                </a:cubicBezTo>
+                <a:cubicBezTo>
+                  <a:pt x="20402" y="91138"/>
+                  <a:pt x="0" y="70736"/>
+                  <a:pt x="0" y="45569"/>
+                </a:cubicBezTo>
+                <a:cubicBezTo>
+                  <a:pt x="0" y="20402"/>
+                  <a:pt x="20402" y="0"/>
+                  <a:pt x="45569" y="0"/>
+                </a:cubicBezTo>
+                <a:cubicBezTo>
+                  <a:pt x="70736" y="0"/>
+                  <a:pt x="91138" y="20402"/>
+                  <a:pt x="91138" y="45569"/>
+                </a:cubicBezTo>
+                <a:close/>
+              </a:path>
+            </a:pathLst>
+          </a:custGeom>
+          <a:solidFill>
+            <a:srgbClr val="FFFFFF"/>
+          </a:solidFill>
+          <a:ln w="422" cap="flat">
+            <a:noFill/>
+            <a:prstDash val="solid"/>
+            <a:miter/>
+          </a:ln>
+        </p:spPr>
+        <p:txBody>
+          <a:bodyPr rtlCol="0" anchor="ctr"/>
+          <a:lstStyle/>
+          <a:p>
+            <a:endParaRPr lang="en-US">
+              <a:solidFill>
+                <a:srgbClr val="FFFFFF"/>
+              </a:solidFill>
+            </a:endParaRPr>
+          </a:p>
+        </p:txBody>
+      </p:sp>
+      <p:sp>
+        <p:nvSpPr>
+          <p:cNvPr id="14" name="Graphic 15">
+            <a:extLst>
+              <a:ext uri="{FF2B5EF4-FFF2-40B4-BE49-F238E27FC236}">
+                <a16:creationId xmlns:a16="http://schemas.microsoft.com/office/drawing/2014/main" id="{AEA7509D-F04F-40CB-A0B3-EEF16499CC9F}"/>
+              </a:ext>
+              <a:ext uri="{C183D7F6-B498-43B3-948B-1728B52AA6E4}">
+                <adec:decorative xmlns:adec="http://schemas.microsoft.com/office/drawing/2017/decorative" val="1"/>
+              </a:ext>
+            </a:extLst>
+          </p:cNvPr>
+          <p:cNvSpPr>
+            <a:spLocks noGrp="1" noRot="1" noChangeAspect="1" noMove="1" noResize="1" noEditPoints="1" noAdjustHandles="1" noChangeArrowheads="1" noChangeShapeType="1" noTextEdit="1"/>
+          </p:cNvSpPr>
+          <p:nvPr>
+            <p:extLst>
+              <p:ext uri="{386F3935-93C4-4BCD-93E2-E3B085C9AB24}">
+                <p16:designElem xmlns:p16="http://schemas.microsoft.com/office/powerpoint/2015/main" val="1"/>
+              </p:ext>
+            </p:extLst>
+          </p:nvPr>
+        </p:nvSpPr>
+        <p:spPr>
+          <a:xfrm>
+            <a:off x="3458819" y="1037066"/>
+            <a:ext cx="127714" cy="127714"/>
+          </a:xfrm>
+          <a:custGeom>
+            <a:avLst/>
+            <a:gdLst>
+              <a:gd name="connsiteX0" fmla="*/ 63857 w 127714"/>
+              <a:gd name="connsiteY0" fmla="*/ 18874 h 127714"/>
+              <a:gd name="connsiteX1" fmla="*/ 108840 w 127714"/>
+              <a:gd name="connsiteY1" fmla="*/ 63857 h 127714"/>
+              <a:gd name="connsiteX2" fmla="*/ 63857 w 127714"/>
+              <a:gd name="connsiteY2" fmla="*/ 108840 h 127714"/>
+              <a:gd name="connsiteX3" fmla="*/ 18874 w 127714"/>
+              <a:gd name="connsiteY3" fmla="*/ 63857 h 127714"/>
+              <a:gd name="connsiteX4" fmla="*/ 63857 w 127714"/>
+              <a:gd name="connsiteY4" fmla="*/ 18874 h 127714"/>
+              <a:gd name="connsiteX5" fmla="*/ 63857 w 127714"/>
+              <a:gd name="connsiteY5" fmla="*/ 0 h 127714"/>
+              <a:gd name="connsiteX6" fmla="*/ 0 w 127714"/>
+              <a:gd name="connsiteY6" fmla="*/ 63857 h 127714"/>
+              <a:gd name="connsiteX7" fmla="*/ 63857 w 127714"/>
+              <a:gd name="connsiteY7" fmla="*/ 127714 h 127714"/>
+              <a:gd name="connsiteX8" fmla="*/ 127714 w 127714"/>
+              <a:gd name="connsiteY8" fmla="*/ 63857 h 127714"/>
+              <a:gd name="connsiteX9" fmla="*/ 63857 w 127714"/>
+              <a:gd name="connsiteY9" fmla="*/ 0 h 127714"/>
+            </a:gdLst>
+            <a:ahLst/>
+            <a:cxnLst>
+              <a:cxn ang="0">
+                <a:pos x="connsiteX0" y="connsiteY0"/>
+              </a:cxn>
+              <a:cxn ang="0">
+                <a:pos x="connsiteX1" y="connsiteY1"/>
+              </a:cxn>
+              <a:cxn ang="0">
+                <a:pos x="connsiteX2" y="connsiteY2"/>
+              </a:cxn>
+              <a:cxn ang="0">
+                <a:pos x="connsiteX3" y="connsiteY3"/>
+              </a:cxn>
+              <a:cxn ang="0">
+                <a:pos x="connsiteX4" y="connsiteY4"/>
+              </a:cxn>
+              <a:cxn ang="0">
+                <a:pos x="connsiteX5" y="connsiteY5"/>
+              </a:cxn>
+              <a:cxn ang="0">
+                <a:pos x="connsiteX6" y="connsiteY6"/>
+              </a:cxn>
+              <a:cxn ang="0">
+                <a:pos x="connsiteX7" y="connsiteY7"/>
+              </a:cxn>
+              <a:cxn ang="0">
+                <a:pos x="connsiteX8" y="connsiteY8"/>
+              </a:cxn>
+              <a:cxn ang="0">
+                <a:pos x="connsiteX9" y="connsiteY9"/>
+              </a:cxn>
+            </a:cxnLst>
+            <a:rect l="l" t="t" r="r" b="b"/>
+            <a:pathLst>
+              <a:path w="127714" h="127714">
+                <a:moveTo>
+                  <a:pt x="63857" y="18874"/>
+                </a:moveTo>
+                <a:cubicBezTo>
+                  <a:pt x="88700" y="18874"/>
+                  <a:pt x="108840" y="39014"/>
+                  <a:pt x="108840" y="63857"/>
+                </a:cubicBezTo>
+                <a:cubicBezTo>
+                  <a:pt x="108840" y="88700"/>
+                  <a:pt x="88700" y="108840"/>
+                  <a:pt x="63857" y="108840"/>
+                </a:cubicBezTo>
+                <a:cubicBezTo>
+                  <a:pt x="39014" y="108840"/>
+                  <a:pt x="18874" y="88700"/>
+                  <a:pt x="18874" y="63857"/>
+                </a:cubicBezTo>
+                <a:cubicBezTo>
+                  <a:pt x="18898" y="39024"/>
+                  <a:pt x="39024" y="18898"/>
+                  <a:pt x="63857" y="18874"/>
+                </a:cubicBezTo>
+                <a:moveTo>
+                  <a:pt x="63857" y="0"/>
+                </a:moveTo>
+                <a:cubicBezTo>
+                  <a:pt x="28590" y="0"/>
+                  <a:pt x="0" y="28590"/>
+                  <a:pt x="0" y="63857"/>
+                </a:cubicBezTo>
+                <a:cubicBezTo>
+                  <a:pt x="0" y="99124"/>
+                  <a:pt x="28590" y="127714"/>
+                  <a:pt x="63857" y="127714"/>
+                </a:cubicBezTo>
+                <a:cubicBezTo>
+                  <a:pt x="99124" y="127714"/>
+                  <a:pt x="127714" y="99124"/>
+                  <a:pt x="127714" y="63857"/>
+                </a:cubicBezTo>
+                <a:cubicBezTo>
+                  <a:pt x="127714" y="28590"/>
+                  <a:pt x="99124" y="0"/>
+                  <a:pt x="63857" y="0"/>
+                </a:cubicBezTo>
+                <a:close/>
+              </a:path>
+            </a:pathLst>
+          </a:custGeom>
+          <a:solidFill>
+            <a:srgbClr val="FFFFFF"/>
+          </a:solidFill>
+          <a:ln w="610" cap="flat">
+            <a:noFill/>
+            <a:prstDash val="solid"/>
+            <a:miter/>
+          </a:ln>
+        </p:spPr>
+        <p:txBody>
+          <a:bodyPr rtlCol="0" anchor="ctr"/>
+          <a:lstStyle/>
+          <a:p>
+            <a:endParaRPr lang="en-US">
+              <a:solidFill>
+                <a:srgbClr val="FFFFFF"/>
+              </a:solidFill>
+            </a:endParaRPr>
+          </a:p>
+        </p:txBody>
+      </p:sp>
+      <p:cxnSp>
+        <p:nvCxnSpPr>
+          <p:cNvPr id="16" name="Straight Connector 15">
+            <a:extLst>
+              <a:ext uri="{FF2B5EF4-FFF2-40B4-BE49-F238E27FC236}">
+                <a16:creationId xmlns:a16="http://schemas.microsoft.com/office/drawing/2014/main" id="{56020367-4FD5-4596-8E10-C5F095CD8DBF}"/>
+              </a:ext>
+              <a:ext uri="{C183D7F6-B498-43B3-948B-1728B52AA6E4}">
+                <adec:decorative xmlns:adec="http://schemas.microsoft.com/office/drawing/2017/decorative" val="1"/>
+              </a:ext>
+            </a:extLst>
+          </p:cNvPr>
+          <p:cNvCxnSpPr>
+            <a:cxnSpLocks noGrp="1" noRot="1" noChangeAspect="1" noMove="1" noResize="1" noEditPoints="1" noAdjustHandles="1" noChangeArrowheads="1" noChangeShapeType="1"/>
+          </p:cNvCxnSpPr>
+          <p:nvPr>
+            <p:extLst>
+              <p:ext uri="{386F3935-93C4-4BCD-93E2-E3B085C9AB24}">
+                <p16:designElem xmlns:p16="http://schemas.microsoft.com/office/powerpoint/2015/main" val="1"/>
+              </p:ext>
+            </p:extLst>
+          </p:nvPr>
+        </p:nvCxnSpPr>
+        <p:spPr>
+          <a:xfrm>
+            <a:off x="856114" y="3503032"/>
+            <a:ext cx="0" cy="3346090"/>
+          </a:xfrm>
+          <a:prstGeom prst="line">
+            <a:avLst/>
+          </a:prstGeom>
+          <a:ln w="25400" cap="sq">
+            <a:solidFill>
+              <a:srgbClr val="FFFFFF"/>
+            </a:solidFill>
+            <a:bevel/>
+          </a:ln>
+        </p:spPr>
+        <p:style>
+          <a:lnRef idx="1">
+            <a:schemeClr val="accent1"/>
+          </a:lnRef>
+          <a:fillRef idx="0">
+            <a:schemeClr val="accent1"/>
+          </a:fillRef>
+          <a:effectRef idx="0">
+            <a:schemeClr val="accent1"/>
+          </a:effectRef>
+          <a:fontRef idx="minor">
+            <a:schemeClr val="tx1"/>
+          </a:fontRef>
+        </p:style>
+      </p:cxnSp>
+      <p:sp>
+        <p:nvSpPr>
+          <p:cNvPr id="18" name="Graphic 22">
+            <a:extLst>
+              <a:ext uri="{FF2B5EF4-FFF2-40B4-BE49-F238E27FC236}">
+                <a16:creationId xmlns:a16="http://schemas.microsoft.com/office/drawing/2014/main" id="{508BEF50-7B1E-49A4-BC19-5F4F1D755E64}"/>
+              </a:ext>
+              <a:ext uri="{C183D7F6-B498-43B3-948B-1728B52AA6E4}">
+                <adec:decorative xmlns:adec="http://schemas.microsoft.com/office/drawing/2017/decorative" val="1"/>
+              </a:ext>
+            </a:extLst>
+          </p:cNvPr>
+          <p:cNvSpPr>
+            <a:spLocks noGrp="1" noRot="1" noChangeAspect="1" noMove="1" noResize="1" noEditPoints="1" noAdjustHandles="1" noChangeArrowheads="1" noChangeShapeType="1" noTextEdit="1"/>
+          </p:cNvSpPr>
+          <p:nvPr>
+            <p:extLst>
+              <p:ext uri="{386F3935-93C4-4BCD-93E2-E3B085C9AB24}">
+                <p16:designElem xmlns:p16="http://schemas.microsoft.com/office/powerpoint/2015/main" val="1"/>
+              </p:ext>
+            </p:extLst>
+          </p:nvPr>
+        </p:nvSpPr>
+        <p:spPr>
+          <a:xfrm>
+            <a:off x="10836425" y="5636680"/>
+            <a:ext cx="151536" cy="151536"/>
+          </a:xfrm>
+          <a:custGeom>
+            <a:avLst/>
+            <a:gdLst>
+              <a:gd name="connsiteX0" fmla="*/ 141251 w 151536"/>
+              <a:gd name="connsiteY0" fmla="*/ 65483 h 151536"/>
+              <a:gd name="connsiteX1" fmla="*/ 86053 w 151536"/>
+              <a:gd name="connsiteY1" fmla="*/ 65483 h 151536"/>
+              <a:gd name="connsiteX2" fmla="*/ 86053 w 151536"/>
+              <a:gd name="connsiteY2" fmla="*/ 10285 h 151536"/>
+              <a:gd name="connsiteX3" fmla="*/ 75768 w 151536"/>
+              <a:gd name="connsiteY3" fmla="*/ 0 h 151536"/>
+              <a:gd name="connsiteX4" fmla="*/ 65483 w 151536"/>
+              <a:gd name="connsiteY4" fmla="*/ 10285 h 151536"/>
+              <a:gd name="connsiteX5" fmla="*/ 65483 w 151536"/>
+              <a:gd name="connsiteY5" fmla="*/ 65483 h 151536"/>
+              <a:gd name="connsiteX6" fmla="*/ 10285 w 151536"/>
+              <a:gd name="connsiteY6" fmla="*/ 65483 h 151536"/>
+              <a:gd name="connsiteX7" fmla="*/ 0 w 151536"/>
+              <a:gd name="connsiteY7" fmla="*/ 75768 h 151536"/>
+              <a:gd name="connsiteX8" fmla="*/ 10285 w 151536"/>
+              <a:gd name="connsiteY8" fmla="*/ 86053 h 151536"/>
+              <a:gd name="connsiteX9" fmla="*/ 65483 w 151536"/>
+              <a:gd name="connsiteY9" fmla="*/ 86053 h 151536"/>
+              <a:gd name="connsiteX10" fmla="*/ 65483 w 151536"/>
+              <a:gd name="connsiteY10" fmla="*/ 141251 h 151536"/>
+              <a:gd name="connsiteX11" fmla="*/ 75768 w 151536"/>
+              <a:gd name="connsiteY11" fmla="*/ 151536 h 151536"/>
+              <a:gd name="connsiteX12" fmla="*/ 86053 w 151536"/>
+              <a:gd name="connsiteY12" fmla="*/ 141251 h 151536"/>
+              <a:gd name="connsiteX13" fmla="*/ 86053 w 151536"/>
+              <a:gd name="connsiteY13" fmla="*/ 86053 h 151536"/>
+              <a:gd name="connsiteX14" fmla="*/ 141251 w 151536"/>
+              <a:gd name="connsiteY14" fmla="*/ 86053 h 151536"/>
+              <a:gd name="connsiteX15" fmla="*/ 151536 w 151536"/>
+              <a:gd name="connsiteY15" fmla="*/ 75768 h 151536"/>
+              <a:gd name="connsiteX16" fmla="*/ 141251 w 151536"/>
+              <a:gd name="connsiteY16" fmla="*/ 65483 h 151536"/>
+            </a:gdLst>
+            <a:ahLst/>
+            <a:cxnLst>
+              <a:cxn ang="0">
+                <a:pos x="connsiteX0" y="connsiteY0"/>
+              </a:cxn>
+              <a:cxn ang="0">
+                <a:pos x="connsiteX1" y="connsiteY1"/>
+              </a:cxn>
+              <a:cxn ang="0">
+                <a:pos x="connsiteX2" y="connsiteY2"/>
+              </a:cxn>
+              <a:cxn ang="0">
+                <a:pos x="connsiteX3" y="connsiteY3"/>
+              </a:cxn>
+              <a:cxn ang="0">
+                <a:pos x="connsiteX4" y="connsiteY4"/>
+              </a:cxn>
+              <a:cxn ang="0">
+                <a:pos x="connsiteX5" y="connsiteY5"/>
+              </a:cxn>
+              <a:cxn ang="0">
+                <a:pos x="connsiteX6" y="connsiteY6"/>
+              </a:cxn>
+              <a:cxn ang="0">
+                <a:pos x="connsiteX7" y="connsiteY7"/>
+              </a:cxn>
+              <a:cxn ang="0">
+                <a:pos x="connsiteX8" y="connsiteY8"/>
+              </a:cxn>
+              <a:cxn ang="0">
+                <a:pos x="connsiteX9" y="connsiteY9"/>
+              </a:cxn>
+              <a:cxn ang="0">
+                <a:pos x="connsiteX10" y="connsiteY10"/>
+              </a:cxn>
+              <a:cxn ang="0">
+                <a:pos x="connsiteX11" y="connsiteY11"/>
+              </a:cxn>
+              <a:cxn ang="0">
+                <a:pos x="connsiteX12" y="connsiteY12"/>
+              </a:cxn>
+              <a:cxn ang="0">
+                <a:pos x="connsiteX13" y="connsiteY13"/>
+              </a:cxn>
+              <a:cxn ang="0">
+                <a:pos x="connsiteX14" y="connsiteY14"/>
+              </a:cxn>
+              <a:cxn ang="0">
+                <a:pos x="connsiteX15" y="connsiteY15"/>
+              </a:cxn>
+              <a:cxn ang="0">
+                <a:pos x="connsiteX16" y="connsiteY16"/>
+              </a:cxn>
+            </a:cxnLst>
+            <a:rect l="l" t="t" r="r" b="b"/>
+            <a:pathLst>
+              <a:path w="151536" h="151536">
+                <a:moveTo>
+                  <a:pt x="141251" y="65483"/>
+                </a:moveTo>
+                <a:lnTo>
+                  <a:pt x="86053" y="65483"/>
+                </a:lnTo>
+                <a:lnTo>
+                  <a:pt x="86053" y="10285"/>
+                </a:lnTo>
+                <a:cubicBezTo>
+                  <a:pt x="86053" y="4605"/>
+                  <a:pt x="81448" y="0"/>
+                  <a:pt x="75768" y="0"/>
+                </a:cubicBezTo>
+                <a:cubicBezTo>
+                  <a:pt x="70088" y="0"/>
+                  <a:pt x="65483" y="4605"/>
+                  <a:pt x="65483" y="10285"/>
+                </a:cubicBezTo>
+                <a:lnTo>
+                  <a:pt x="65483" y="65483"/>
+                </a:lnTo>
+                <a:lnTo>
+                  <a:pt x="10285" y="65483"/>
+                </a:lnTo>
+                <a:cubicBezTo>
+                  <a:pt x="4605" y="65483"/>
+                  <a:pt x="0" y="70088"/>
+                  <a:pt x="0" y="75768"/>
+                </a:cubicBezTo>
+                <a:cubicBezTo>
+                  <a:pt x="0" y="81448"/>
+                  <a:pt x="4605" y="86053"/>
+                  <a:pt x="10285" y="86053"/>
+                </a:cubicBezTo>
+                <a:lnTo>
+                  <a:pt x="65483" y="86053"/>
+                </a:lnTo>
+                <a:lnTo>
+                  <a:pt x="65483" y="141251"/>
+                </a:lnTo>
+                <a:cubicBezTo>
+                  <a:pt x="65483" y="146931"/>
+                  <a:pt x="70088" y="151536"/>
+                  <a:pt x="75768" y="151536"/>
+                </a:cubicBezTo>
+                <a:cubicBezTo>
+                  <a:pt x="81448" y="151536"/>
+                  <a:pt x="86053" y="146931"/>
+                  <a:pt x="86053" y="141251"/>
+                </a:cubicBezTo>
+                <a:lnTo>
+                  <a:pt x="86053" y="86053"/>
+                </a:lnTo>
+                <a:lnTo>
+                  <a:pt x="141251" y="86053"/>
+                </a:lnTo>
+                <a:cubicBezTo>
+                  <a:pt x="146931" y="86053"/>
+                  <a:pt x="151536" y="81448"/>
+                  <a:pt x="151536" y="75768"/>
+                </a:cubicBezTo>
+                <a:cubicBezTo>
+                  <a:pt x="151536" y="70088"/>
+                  <a:pt x="146931" y="65483"/>
+                  <a:pt x="141251" y="65483"/>
+                </a:cubicBezTo>
+                <a:close/>
+              </a:path>
+            </a:pathLst>
+          </a:custGeom>
+          <a:solidFill>
+            <a:srgbClr val="FFFFFF"/>
+          </a:solidFill>
+          <a:ln w="646" cap="flat">
+            <a:noFill/>
+            <a:prstDash val="solid"/>
+            <a:miter/>
+          </a:ln>
+        </p:spPr>
+        <p:txBody>
+          <a:bodyPr rtlCol="0" anchor="ctr"/>
+          <a:lstStyle/>
+          <a:p>
+            <a:endParaRPr lang="en-US">
+              <a:solidFill>
+                <a:srgbClr val="FFFFFF"/>
+              </a:solidFill>
+            </a:endParaRPr>
+          </a:p>
+        </p:txBody>
+      </p:sp>
+      <p:sp>
+        <p:nvSpPr>
+          <p:cNvPr id="20" name="Graphic 23">
+            <a:extLst>
+              <a:ext uri="{FF2B5EF4-FFF2-40B4-BE49-F238E27FC236}">
+                <a16:creationId xmlns:a16="http://schemas.microsoft.com/office/drawing/2014/main" id="{3FBAD350-5664-4811-A208-657FB882D350}"/>
+              </a:ext>
+              <a:ext uri="{C183D7F6-B498-43B3-948B-1728B52AA6E4}">
+                <adec:decorative xmlns:adec="http://schemas.microsoft.com/office/drawing/2017/decorative" val="1"/>
+              </a:ext>
+            </a:extLst>
+          </p:cNvPr>
+          <p:cNvSpPr>
+            <a:spLocks noGrp="1" noRot="1" noChangeAspect="1" noMove="1" noResize="1" noEditPoints="1" noAdjustHandles="1" noChangeArrowheads="1" noChangeShapeType="1" noTextEdit="1"/>
+          </p:cNvSpPr>
+          <p:nvPr>
+            <p:extLst>
+              <p:ext uri="{386F3935-93C4-4BCD-93E2-E3B085C9AB24}">
+                <p16:designElem xmlns:p16="http://schemas.microsoft.com/office/powerpoint/2015/main" val="1"/>
+              </p:ext>
+            </p:extLst>
+          </p:nvPr>
+        </p:nvSpPr>
+        <p:spPr>
+          <a:xfrm>
+            <a:off x="11245175" y="6096759"/>
+            <a:ext cx="108625" cy="108625"/>
+          </a:xfrm>
+          <a:custGeom>
+            <a:avLst/>
+            <a:gdLst>
+              <a:gd name="connsiteX0" fmla="*/ 54313 w 108625"/>
+              <a:gd name="connsiteY0" fmla="*/ 16053 h 108625"/>
+              <a:gd name="connsiteX1" fmla="*/ 92572 w 108625"/>
+              <a:gd name="connsiteY1" fmla="*/ 54313 h 108625"/>
+              <a:gd name="connsiteX2" fmla="*/ 54313 w 108625"/>
+              <a:gd name="connsiteY2" fmla="*/ 92572 h 108625"/>
+              <a:gd name="connsiteX3" fmla="*/ 16053 w 108625"/>
+              <a:gd name="connsiteY3" fmla="*/ 54313 h 108625"/>
+              <a:gd name="connsiteX4" fmla="*/ 54313 w 108625"/>
+              <a:gd name="connsiteY4" fmla="*/ 16053 h 108625"/>
+              <a:gd name="connsiteX5" fmla="*/ 54313 w 108625"/>
+              <a:gd name="connsiteY5" fmla="*/ 0 h 108625"/>
+              <a:gd name="connsiteX6" fmla="*/ 0 w 108625"/>
+              <a:gd name="connsiteY6" fmla="*/ 54313 h 108625"/>
+              <a:gd name="connsiteX7" fmla="*/ 54313 w 108625"/>
+              <a:gd name="connsiteY7" fmla="*/ 108625 h 108625"/>
+              <a:gd name="connsiteX8" fmla="*/ 108625 w 108625"/>
+              <a:gd name="connsiteY8" fmla="*/ 54313 h 108625"/>
+              <a:gd name="connsiteX9" fmla="*/ 54313 w 108625"/>
+              <a:gd name="connsiteY9" fmla="*/ 0 h 108625"/>
+            </a:gdLst>
+            <a:ahLst/>
+            <a:cxnLst>
+              <a:cxn ang="0">
+                <a:pos x="connsiteX0" y="connsiteY0"/>
+              </a:cxn>
+              <a:cxn ang="0">
+                <a:pos x="connsiteX1" y="connsiteY1"/>
+              </a:cxn>
+              <a:cxn ang="0">
+                <a:pos x="connsiteX2" y="connsiteY2"/>
+              </a:cxn>
+              <a:cxn ang="0">
+                <a:pos x="connsiteX3" y="connsiteY3"/>
+              </a:cxn>
+              <a:cxn ang="0">
+                <a:pos x="connsiteX4" y="connsiteY4"/>
+              </a:cxn>
+              <a:cxn ang="0">
+                <a:pos x="connsiteX5" y="connsiteY5"/>
+              </a:cxn>
+              <a:cxn ang="0">
+                <a:pos x="connsiteX6" y="connsiteY6"/>
+              </a:cxn>
+              <a:cxn ang="0">
+                <a:pos x="connsiteX7" y="connsiteY7"/>
+              </a:cxn>
+              <a:cxn ang="0">
+                <a:pos x="connsiteX8" y="connsiteY8"/>
+              </a:cxn>
+              <a:cxn ang="0">
+                <a:pos x="connsiteX9" y="connsiteY9"/>
+              </a:cxn>
+            </a:cxnLst>
+            <a:rect l="l" t="t" r="r" b="b"/>
+            <a:pathLst>
+              <a:path w="108625" h="108625">
+                <a:moveTo>
+                  <a:pt x="54313" y="16053"/>
+                </a:moveTo>
+                <a:cubicBezTo>
+                  <a:pt x="75442" y="16053"/>
+                  <a:pt x="92572" y="33182"/>
+                  <a:pt x="92572" y="54313"/>
+                </a:cubicBezTo>
+                <a:cubicBezTo>
+                  <a:pt x="92572" y="75442"/>
+                  <a:pt x="75442" y="92572"/>
+                  <a:pt x="54313" y="92572"/>
+                </a:cubicBezTo>
+                <a:cubicBezTo>
+                  <a:pt x="33182" y="92572"/>
+                  <a:pt x="16053" y="75442"/>
+                  <a:pt x="16053" y="54313"/>
+                </a:cubicBezTo>
+                <a:cubicBezTo>
+                  <a:pt x="16074" y="33191"/>
+                  <a:pt x="33191" y="16074"/>
+                  <a:pt x="54313" y="16053"/>
+                </a:cubicBezTo>
+                <a:moveTo>
+                  <a:pt x="54313" y="0"/>
+                </a:moveTo>
+                <a:cubicBezTo>
+                  <a:pt x="24317" y="0"/>
+                  <a:pt x="0" y="24317"/>
+                  <a:pt x="0" y="54313"/>
+                </a:cubicBezTo>
+                <a:cubicBezTo>
+                  <a:pt x="0" y="84309"/>
+                  <a:pt x="24317" y="108625"/>
+                  <a:pt x="54313" y="108625"/>
+                </a:cubicBezTo>
+                <a:cubicBezTo>
+                  <a:pt x="84309" y="108625"/>
+                  <a:pt x="108625" y="84309"/>
+                  <a:pt x="108625" y="54313"/>
+                </a:cubicBezTo>
+                <a:cubicBezTo>
+                  <a:pt x="108625" y="24317"/>
+                  <a:pt x="84309" y="0"/>
+                  <a:pt x="54313" y="0"/>
+                </a:cubicBezTo>
+                <a:close/>
+              </a:path>
+            </a:pathLst>
+          </a:custGeom>
+          <a:solidFill>
+            <a:srgbClr val="FFFFFF"/>
+          </a:solidFill>
+          <a:ln w="516" cap="flat">
+            <a:noFill/>
+            <a:prstDash val="solid"/>
+            <a:miter/>
+          </a:ln>
+        </p:spPr>
+        <p:txBody>
+          <a:bodyPr rtlCol="0" anchor="ctr"/>
+          <a:lstStyle/>
+          <a:p>
+            <a:endParaRPr lang="en-US">
+              <a:solidFill>
+                <a:srgbClr val="FFFFFF"/>
+              </a:solidFill>
+            </a:endParaRPr>
+          </a:p>
+        </p:txBody>
+      </p:sp>
+      <p:sp>
+        <p:nvSpPr>
+          <p:cNvPr id="22" name="Graphic 21">
+            <a:extLst>
+              <a:ext uri="{FF2B5EF4-FFF2-40B4-BE49-F238E27FC236}">
+                <a16:creationId xmlns:a16="http://schemas.microsoft.com/office/drawing/2014/main" id="{C39ADB8F-D187-49D7-BDCF-C1B6DC727068}"/>
+              </a:ext>
+              <a:ext uri="{C183D7F6-B498-43B3-948B-1728B52AA6E4}">
+                <adec:decorative xmlns:adec="http://schemas.microsoft.com/office/drawing/2017/decorative" val="1"/>
+              </a:ext>
+            </a:extLst>
+          </p:cNvPr>
+          <p:cNvSpPr>
+            <a:spLocks noGrp="1" noRot="1" noChangeAspect="1" noMove="1" noResize="1" noEditPoints="1" noAdjustHandles="1" noChangeArrowheads="1" noChangeShapeType="1" noTextEdit="1"/>
+          </p:cNvSpPr>
+          <p:nvPr>
+            <p:extLst>
+              <p:ext uri="{386F3935-93C4-4BCD-93E2-E3B085C9AB24}">
+                <p16:designElem xmlns:p16="http://schemas.microsoft.com/office/powerpoint/2015/main" val="1"/>
+              </p:ext>
+            </p:extLst>
+          </p:nvPr>
+        </p:nvSpPr>
+        <p:spPr>
+          <a:xfrm>
+            <a:off x="10554288" y="6238029"/>
+            <a:ext cx="95759" cy="95759"/>
+          </a:xfrm>
+          <a:custGeom>
+            <a:avLst/>
+            <a:gdLst>
+              <a:gd name="connsiteX0" fmla="*/ 95759 w 95759"/>
+              <a:gd name="connsiteY0" fmla="*/ 47880 h 95759"/>
+              <a:gd name="connsiteX1" fmla="*/ 47880 w 95759"/>
+              <a:gd name="connsiteY1" fmla="*/ 95759 h 95759"/>
+              <a:gd name="connsiteX2" fmla="*/ 0 w 95759"/>
+              <a:gd name="connsiteY2" fmla="*/ 47880 h 95759"/>
+              <a:gd name="connsiteX3" fmla="*/ 47880 w 95759"/>
+              <a:gd name="connsiteY3" fmla="*/ 0 h 95759"/>
+              <a:gd name="connsiteX4" fmla="*/ 95759 w 95759"/>
+              <a:gd name="connsiteY4" fmla="*/ 47880 h 95759"/>
+            </a:gdLst>
+            <a:ahLst/>
+            <a:cxnLst>
+              <a:cxn ang="0">
+                <a:pos x="connsiteX0" y="connsiteY0"/>
+              </a:cxn>
+              <a:cxn ang="0">
+                <a:pos x="connsiteX1" y="connsiteY1"/>
+              </a:cxn>
+              <a:cxn ang="0">
+                <a:pos x="connsiteX2" y="connsiteY2"/>
+              </a:cxn>
+              <a:cxn ang="0">
+                <a:pos x="connsiteX3" y="connsiteY3"/>
+              </a:cxn>
+              <a:cxn ang="0">
+                <a:pos x="connsiteX4" y="connsiteY4"/>
+              </a:cxn>
+            </a:cxnLst>
+            <a:rect l="l" t="t" r="r" b="b"/>
+            <a:pathLst>
+              <a:path w="95759" h="95759">
+                <a:moveTo>
+                  <a:pt x="95759" y="47880"/>
+                </a:moveTo>
+                <a:cubicBezTo>
+                  <a:pt x="95759" y="74323"/>
+                  <a:pt x="74323" y="95759"/>
+                  <a:pt x="47880" y="95759"/>
+                </a:cubicBezTo>
+                <a:cubicBezTo>
+                  <a:pt x="21436" y="95759"/>
+                  <a:pt x="0" y="74323"/>
+                  <a:pt x="0" y="47880"/>
+                </a:cubicBezTo>
+                <a:cubicBezTo>
+                  <a:pt x="0" y="21436"/>
+                  <a:pt x="21436" y="0"/>
+                  <a:pt x="47880" y="0"/>
+                </a:cubicBezTo>
+                <a:cubicBezTo>
+                  <a:pt x="74323" y="0"/>
+                  <a:pt x="95759" y="21436"/>
+                  <a:pt x="95759" y="47880"/>
+                </a:cubicBezTo>
+                <a:close/>
+              </a:path>
+            </a:pathLst>
+          </a:custGeom>
+          <a:solidFill>
+            <a:srgbClr val="FFFFFF"/>
+          </a:solidFill>
+          <a:ln w="469" cap="flat">
+            <a:noFill/>
+            <a:prstDash val="solid"/>
+            <a:miter/>
+          </a:ln>
+        </p:spPr>
+        <p:txBody>
+          <a:bodyPr rtlCol="0" anchor="ctr"/>
+          <a:lstStyle/>
+          <a:p>
+            <a:endParaRPr lang="en-US">
+              <a:solidFill>
+                <a:srgbClr val="FFFFFF"/>
+              </a:solidFill>
+            </a:endParaRPr>
+          </a:p>
+        </p:txBody>
+      </p:sp>
+      <p:pic>
+        <p:nvPicPr>
+          <p:cNvPr id="5" name="Imagem 4">
+            <a:extLst>
+              <a:ext uri="{FF2B5EF4-FFF2-40B4-BE49-F238E27FC236}">
+                <a16:creationId xmlns:a16="http://schemas.microsoft.com/office/drawing/2014/main" id="{5EC940B6-4803-AC7C-78F0-9BB55D3741DA}"/>
+              </a:ext>
+            </a:extLst>
+          </p:cNvPr>
+          <p:cNvPicPr>
+            <a:picLocks noChangeAspect="1"/>
+          </p:cNvPicPr>
+          <p:nvPr/>
+        </p:nvPicPr>
+        <p:blipFill>
+          <a:blip r:embed="rId2"/>
+          <a:stretch>
+            <a:fillRect/>
+          </a:stretch>
+        </p:blipFill>
+        <p:spPr>
+          <a:xfrm>
+            <a:off x="127113" y="1624346"/>
+            <a:ext cx="11937173" cy="5077268"/>
+          </a:xfrm>
+          <a:prstGeom prst="rect">
+            <a:avLst/>
+          </a:prstGeom>
+        </p:spPr>
+      </p:pic>
+      <p:sp>
+        <p:nvSpPr>
+          <p:cNvPr id="2" name="Título 1">
+            <a:extLst>
+              <a:ext uri="{FF2B5EF4-FFF2-40B4-BE49-F238E27FC236}">
+                <a16:creationId xmlns:a16="http://schemas.microsoft.com/office/drawing/2014/main" id="{85214580-3BC7-696C-55B3-4A39834A12CA}"/>
+              </a:ext>
+            </a:extLst>
+          </p:cNvPr>
+          <p:cNvSpPr>
+            <a:spLocks noGrp="1"/>
+          </p:cNvSpPr>
+          <p:nvPr>
+            <p:ph type="title"/>
+          </p:nvPr>
+        </p:nvSpPr>
+        <p:spPr>
+          <a:xfrm>
+            <a:off x="3880430" y="583345"/>
+            <a:ext cx="7160357" cy="4164820"/>
+          </a:xfrm>
+        </p:spPr>
+        <p:txBody>
+          <a:bodyPr vert="horz" lIns="91440" tIns="45720" rIns="91440" bIns="45720" rtlCol="0" anchor="t">
+            <a:normAutofit/>
+          </a:bodyPr>
+          <a:lstStyle/>
+          <a:p>
+            <a:pPr algn="r"/>
+            <a:r>
+              <a:rPr lang="en-US" sz="4000" b="0" i="0" dirty="0">
+                <a:solidFill>
+                  <a:srgbClr val="000000"/>
+                </a:solidFill>
+                <a:effectLst/>
+                <a:latin typeface="Verdana" panose="020B0604030504040204" pitchFamily="34" charset="0"/>
+              </a:rPr>
+              <a:t>TypeScript is JavaScript with added syntax for types.</a:t>
             </a:r>
             <a:endParaRPr lang="en-US" sz="8000" kern="1200" dirty="0">
               <a:solidFill>
@@ -14341,7 +18187,7 @@
     </p:spTree>
     <p:extLst>
       <p:ext uri="{BB962C8B-B14F-4D97-AF65-F5344CB8AC3E}">
-        <p14:creationId xmlns:p14="http://schemas.microsoft.com/office/powerpoint/2010/main" val="1706469380"/>
+        <p14:creationId xmlns:p14="http://schemas.microsoft.com/office/powerpoint/2010/main" val="2647996857"/>
       </p:ext>
     </p:extLst>
   </p:cSld>
@@ -14351,7 +18197,7 @@
 </p:sld>
 </file>
 
-<file path=ppt/slides/slide18.xml><?xml version="1.0" encoding="utf-8"?>
+<file path=ppt/slides/slide20.xml><?xml version="1.0" encoding="utf-8"?>
 <p:sld xmlns:a="http://schemas.openxmlformats.org/drawingml/2006/main" xmlns:r="http://schemas.openxmlformats.org/officeDocument/2006/relationships" xmlns:p="http://schemas.openxmlformats.org/presentationml/2006/main">
   <p:cSld>
     <p:bg>
@@ -15518,7 +19364,7 @@
                 <a:effectLst/>
                 <a:latin typeface="Verdana" panose="020B0604030504040204" pitchFamily="34" charset="0"/>
               </a:rPr>
-              <a:t>TypeScript Special Types.</a:t>
+              <a:t>TypeScript Generics.</a:t>
             </a:r>
             <a:endParaRPr lang="en-US" sz="8000" kern="1200" dirty="0">
               <a:solidFill>
@@ -15531,6 +19377,66 @@
           </a:p>
         </p:txBody>
       </p:sp>
+      <p:pic>
+        <p:nvPicPr>
+          <p:cNvPr id="4" name="Imagem 3">
+            <a:extLst>
+              <a:ext uri="{FF2B5EF4-FFF2-40B4-BE49-F238E27FC236}">
+                <a16:creationId xmlns:a16="http://schemas.microsoft.com/office/drawing/2014/main" id="{53B8B0F2-7104-E429-4190-8A4322B198C2}"/>
+              </a:ext>
+            </a:extLst>
+          </p:cNvPr>
+          <p:cNvPicPr>
+            <a:picLocks noChangeAspect="1"/>
+          </p:cNvPicPr>
+          <p:nvPr/>
+        </p:nvPicPr>
+        <p:blipFill>
+          <a:blip r:embed="rId2"/>
+          <a:stretch>
+            <a:fillRect/>
+          </a:stretch>
+        </p:blipFill>
+        <p:spPr>
+          <a:xfrm>
+            <a:off x="329447" y="1390912"/>
+            <a:ext cx="5909988" cy="2345289"/>
+          </a:xfrm>
+          <a:prstGeom prst="rect">
+            <a:avLst/>
+          </a:prstGeom>
+        </p:spPr>
+      </p:pic>
+      <p:pic>
+        <p:nvPicPr>
+          <p:cNvPr id="6" name="Imagem 5">
+            <a:extLst>
+              <a:ext uri="{FF2B5EF4-FFF2-40B4-BE49-F238E27FC236}">
+                <a16:creationId xmlns:a16="http://schemas.microsoft.com/office/drawing/2014/main" id="{D312860E-5C0C-9868-6B89-A29AE6F26856}"/>
+              </a:ext>
+            </a:extLst>
+          </p:cNvPr>
+          <p:cNvPicPr>
+            <a:picLocks noChangeAspect="1"/>
+          </p:cNvPicPr>
+          <p:nvPr/>
+        </p:nvPicPr>
+        <p:blipFill>
+          <a:blip r:embed="rId3"/>
+          <a:stretch>
+            <a:fillRect/>
+          </a:stretch>
+        </p:blipFill>
+        <p:spPr>
+          <a:xfrm>
+            <a:off x="6438188" y="1366099"/>
+            <a:ext cx="5278682" cy="5370877"/>
+          </a:xfrm>
+          <a:prstGeom prst="rect">
+            <a:avLst/>
+          </a:prstGeom>
+        </p:spPr>
+      </p:pic>
     </p:spTree>
     <p:extLst>
       <p:ext uri="{BB962C8B-B14F-4D97-AF65-F5344CB8AC3E}">
@@ -15544,7 +19450,7 @@
 </p:sld>
 </file>
 
-<file path=ppt/slides/slide2.xml><?xml version="1.0" encoding="utf-8"?>
+<file path=ppt/slides/slide21.xml><?xml version="1.0" encoding="utf-8"?>
 <p:sld xmlns:a="http://schemas.openxmlformats.org/drawingml/2006/main" xmlns:r="http://schemas.openxmlformats.org/officeDocument/2006/relationships" xmlns:p="http://schemas.openxmlformats.org/presentationml/2006/main">
   <p:cSld>
     <p:bg>
@@ -15557,7 +19463,13 @@
     </p:bg>
     <p:spTree>
       <p:nvGrpSpPr>
-        <p:cNvPr id="1" name=""/>
+        <p:cNvPr id="1" name="">
+          <a:extLst>
+            <a:ext uri="{FF2B5EF4-FFF2-40B4-BE49-F238E27FC236}">
+              <a16:creationId xmlns:a16="http://schemas.microsoft.com/office/drawing/2014/main" id="{EEDEB871-9757-7A94-35D1-D01C4A02199F}"/>
+            </a:ext>
+          </a:extLst>
+        </p:cNvPr>
         <p:cNvGrpSpPr/>
         <p:nvPr/>
       </p:nvGrpSpPr>
@@ -15574,7 +19486,7 @@
           <p:cNvPr id="8" name="Rectangle 7">
             <a:extLst>
               <a:ext uri="{FF2B5EF4-FFF2-40B4-BE49-F238E27FC236}">
-                <a16:creationId xmlns:a16="http://schemas.microsoft.com/office/drawing/2014/main" id="{1A3C89F8-0D2F-47FF-B903-151248265F47}"/>
+                <a16:creationId xmlns:a16="http://schemas.microsoft.com/office/drawing/2014/main" id="{A3667DFB-2936-0102-CD1A-2EFC3BFA0907}"/>
               </a:ext>
               <a:ext uri="{C183D7F6-B498-43B3-948B-1728B52AA6E4}">
                 <adec:decorative xmlns:adec="http://schemas.microsoft.com/office/drawing/2017/decorative" val="1"/>
@@ -15650,7 +19562,7 @@
           <p:cNvPr id="10" name="Graphic 13">
             <a:extLst>
               <a:ext uri="{FF2B5EF4-FFF2-40B4-BE49-F238E27FC236}">
-                <a16:creationId xmlns:a16="http://schemas.microsoft.com/office/drawing/2014/main" id="{C5CB530E-515E-412C-9DF1-5F8FFBD6F383}"/>
+                <a16:creationId xmlns:a16="http://schemas.microsoft.com/office/drawing/2014/main" id="{D62112A0-81D9-E784-716E-C56E5A8D65D0}"/>
               </a:ext>
               <a:ext uri="{C183D7F6-B498-43B3-948B-1728B52AA6E4}">
                 <adec:decorative xmlns:adec="http://schemas.microsoft.com/office/drawing/2017/decorative" val="1"/>
@@ -15865,7 +19777,7 @@
           <p:cNvPr id="12" name="Graphic 12">
             <a:extLst>
               <a:ext uri="{FF2B5EF4-FFF2-40B4-BE49-F238E27FC236}">
-                <a16:creationId xmlns:a16="http://schemas.microsoft.com/office/drawing/2014/main" id="{712D4376-A578-4FF1-94FC-245E7A6A489F}"/>
+                <a16:creationId xmlns:a16="http://schemas.microsoft.com/office/drawing/2014/main" id="{F74BB129-EA12-3CA1-1454-A65E8994C98E}"/>
               </a:ext>
               <a:ext uri="{C183D7F6-B498-43B3-948B-1728B52AA6E4}">
                 <adec:decorative xmlns:adec="http://schemas.microsoft.com/office/drawing/2017/decorative" val="1"/>
@@ -15976,7 +19888,7 @@
           <p:cNvPr id="14" name="Graphic 15">
             <a:extLst>
               <a:ext uri="{FF2B5EF4-FFF2-40B4-BE49-F238E27FC236}">
-                <a16:creationId xmlns:a16="http://schemas.microsoft.com/office/drawing/2014/main" id="{AEA7509D-F04F-40CB-A0B3-EEF16499CC9F}"/>
+                <a16:creationId xmlns:a16="http://schemas.microsoft.com/office/drawing/2014/main" id="{4EEA3D1F-5727-C3E9-79C8-D6E8C88098E6}"/>
               </a:ext>
               <a:ext uri="{C183D7F6-B498-43B3-948B-1728B52AA6E4}">
                 <adec:decorative xmlns:adec="http://schemas.microsoft.com/office/drawing/2017/decorative" val="1"/>
@@ -16135,7 +20047,7 @@
           <p:cNvPr id="16" name="Straight Connector 15">
             <a:extLst>
               <a:ext uri="{FF2B5EF4-FFF2-40B4-BE49-F238E27FC236}">
-                <a16:creationId xmlns:a16="http://schemas.microsoft.com/office/drawing/2014/main" id="{56020367-4FD5-4596-8E10-C5F095CD8DBF}"/>
+                <a16:creationId xmlns:a16="http://schemas.microsoft.com/office/drawing/2014/main" id="{73248AFF-DFA0-73AD-0701-AB57EA8004B6}"/>
               </a:ext>
               <a:ext uri="{C183D7F6-B498-43B3-948B-1728B52AA6E4}">
                 <adec:decorative xmlns:adec="http://schemas.microsoft.com/office/drawing/2017/decorative" val="1"/>
@@ -16188,7 +20100,7 @@
           <p:cNvPr id="18" name="Graphic 22">
             <a:extLst>
               <a:ext uri="{FF2B5EF4-FFF2-40B4-BE49-F238E27FC236}">
-                <a16:creationId xmlns:a16="http://schemas.microsoft.com/office/drawing/2014/main" id="{508BEF50-7B1E-49A4-BC19-5F4F1D755E64}"/>
+                <a16:creationId xmlns:a16="http://schemas.microsoft.com/office/drawing/2014/main" id="{5E915C67-1062-7315-0255-87F9CCD1CAEF}"/>
               </a:ext>
               <a:ext uri="{C183D7F6-B498-43B3-948B-1728B52AA6E4}">
                 <adec:decorative xmlns:adec="http://schemas.microsoft.com/office/drawing/2017/decorative" val="1"/>
@@ -16403,7 +20315,7 @@
           <p:cNvPr id="20" name="Graphic 23">
             <a:extLst>
               <a:ext uri="{FF2B5EF4-FFF2-40B4-BE49-F238E27FC236}">
-                <a16:creationId xmlns:a16="http://schemas.microsoft.com/office/drawing/2014/main" id="{3FBAD350-5664-4811-A208-657FB882D350}"/>
+                <a16:creationId xmlns:a16="http://schemas.microsoft.com/office/drawing/2014/main" id="{2D7F2E77-A2C9-2320-8595-FBDF80844A9A}"/>
               </a:ext>
               <a:ext uri="{C183D7F6-B498-43B3-948B-1728B52AA6E4}">
                 <adec:decorative xmlns:adec="http://schemas.microsoft.com/office/drawing/2017/decorative" val="1"/>
@@ -16562,7 +20474,7 @@
           <p:cNvPr id="22" name="Graphic 21">
             <a:extLst>
               <a:ext uri="{FF2B5EF4-FFF2-40B4-BE49-F238E27FC236}">
-                <a16:creationId xmlns:a16="http://schemas.microsoft.com/office/drawing/2014/main" id="{C39ADB8F-D187-49D7-BDCF-C1B6DC727068}"/>
+                <a16:creationId xmlns:a16="http://schemas.microsoft.com/office/drawing/2014/main" id="{47DCC666-6542-BA10-A7E7-F1D14D92411A}"/>
               </a:ext>
               <a:ext uri="{C183D7F6-B498-43B3-948B-1728B52AA6E4}">
                 <adec:decorative xmlns:adec="http://schemas.microsoft.com/office/drawing/2017/decorative" val="1"/>
@@ -16668,42 +20580,12 @@
           </a:p>
         </p:txBody>
       </p:sp>
-      <p:pic>
-        <p:nvPicPr>
-          <p:cNvPr id="5" name="Imagem 4">
-            <a:extLst>
-              <a:ext uri="{FF2B5EF4-FFF2-40B4-BE49-F238E27FC236}">
-                <a16:creationId xmlns:a16="http://schemas.microsoft.com/office/drawing/2014/main" id="{5EC940B6-4803-AC7C-78F0-9BB55D3741DA}"/>
-              </a:ext>
-            </a:extLst>
-          </p:cNvPr>
-          <p:cNvPicPr>
-            <a:picLocks noChangeAspect="1"/>
-          </p:cNvPicPr>
-          <p:nvPr/>
-        </p:nvPicPr>
-        <p:blipFill>
-          <a:blip r:embed="rId2"/>
-          <a:stretch>
-            <a:fillRect/>
-          </a:stretch>
-        </p:blipFill>
-        <p:spPr>
-          <a:xfrm>
-            <a:off x="127113" y="1624346"/>
-            <a:ext cx="11937173" cy="5077268"/>
-          </a:xfrm>
-          <a:prstGeom prst="rect">
-            <a:avLst/>
-          </a:prstGeom>
-        </p:spPr>
-      </p:pic>
       <p:sp>
         <p:nvSpPr>
           <p:cNvPr id="2" name="Título 1">
             <a:extLst>
               <a:ext uri="{FF2B5EF4-FFF2-40B4-BE49-F238E27FC236}">
-                <a16:creationId xmlns:a16="http://schemas.microsoft.com/office/drawing/2014/main" id="{85214580-3BC7-696C-55B3-4A39834A12CA}"/>
+                <a16:creationId xmlns:a16="http://schemas.microsoft.com/office/drawing/2014/main" id="{E78C5358-7499-AFE5-D1ED-DFDB1731537F}"/>
               </a:ext>
             </a:extLst>
           </p:cNvPr>
@@ -16728,14 +20610,15 @@
           <a:p>
             <a:pPr algn="r"/>
             <a:r>
-              <a:rPr lang="en-US" sz="4000" b="0" i="0" dirty="0">
+              <a:rPr lang="en-US" sz="4000" kern="1200" dirty="0">
                 <a:solidFill>
                   <a:srgbClr val="000000"/>
                 </a:solidFill>
-                <a:effectLst/>
                 <a:latin typeface="Verdana" panose="020B0604030504040204" pitchFamily="34" charset="0"/>
+                <a:ea typeface="+mj-ea"/>
+                <a:cs typeface="+mj-cs"/>
               </a:rPr>
-              <a:t>TypeScript is JavaScript with added syntax for types.</a:t>
+              <a:t>Thank you</a:t>
             </a:r>
             <a:endParaRPr lang="en-US" sz="8000" kern="1200" dirty="0">
               <a:solidFill>
@@ -16751,7 +20634,7 @@
     </p:spTree>
     <p:extLst>
       <p:ext uri="{BB962C8B-B14F-4D97-AF65-F5344CB8AC3E}">
-        <p14:creationId xmlns:p14="http://schemas.microsoft.com/office/powerpoint/2010/main" val="2647996857"/>
+        <p14:creationId xmlns:p14="http://schemas.microsoft.com/office/powerpoint/2010/main" val="2330739659"/>
       </p:ext>
     </p:extLst>
   </p:cSld>
